--- a/Presentations/Lab_2_Architecture.pptx
+++ b/Presentations/Lab_2_Architecture.pptx
@@ -5,15 +5,19 @@
     <p:sldMasterId id="2147483648" r:id="rId1"/>
   </p:sldMasterIdLst>
   <p:notesMasterIdLst>
-    <p:notesMasterId r:id="rId9"/>
+    <p:notesMasterId r:id="rId12"/>
   </p:notesMasterIdLst>
   <p:sldIdLst>
-    <p:sldId id="256" r:id="rId3"/>
-    <p:sldId id="261" r:id="rId4"/>
-    <p:sldId id="274" r:id="rId5"/>
-    <p:sldId id="297" r:id="rId6"/>
-    <p:sldId id="299" r:id="rId7"/>
-    <p:sldId id="260" r:id="rId8"/>
+    <p:sldId id="256" r:id="rId2"/>
+    <p:sldId id="261" r:id="rId3"/>
+    <p:sldId id="274" r:id="rId4"/>
+    <p:sldId id="300" r:id="rId5"/>
+    <p:sldId id="302" r:id="rId6"/>
+    <p:sldId id="301" r:id="rId7"/>
+    <p:sldId id="303" r:id="rId8"/>
+    <p:sldId id="297" r:id="rId9"/>
+    <p:sldId id="299" r:id="rId10"/>
+    <p:sldId id="260" r:id="rId11"/>
   </p:sldIdLst>
   <p:sldSz cx="9144000" cy="6858000" type="screen4x3"/>
   <p:notesSz cx="6858000" cy="9144000"/>
@@ -120,32 +124,37 @@
             <p14:sldId id="256"/>
             <p14:sldId id="261"/>
             <p14:sldId id="274"/>
-            <p14:sldId id="275"/>
-            <p14:sldId id="276"/>
-            <p14:sldId id="277"/>
-            <p14:sldId id="278"/>
-            <p14:sldId id="279"/>
-            <p14:sldId id="280"/>
-            <p14:sldId id="281"/>
-            <p14:sldId id="282"/>
-            <p14:sldId id="283"/>
-            <p14:sldId id="284"/>
-            <p14:sldId id="285"/>
-            <p14:sldId id="286"/>
-            <p14:sldId id="288"/>
-            <p14:sldId id="287"/>
-            <p14:sldId id="291"/>
-            <p14:sldId id="289"/>
-            <p14:sldId id="292"/>
-            <p14:sldId id="290"/>
-            <p14:sldId id="293"/>
+            <p14:sldId id="300"/>
+            <p14:sldId id="302"/>
+            <p14:sldId id="301"/>
+            <p14:sldId id="303"/>
+            <p14:sldId id="297"/>
+            <p14:sldId id="299"/>
             <p14:sldId id="260"/>
           </p14:sldIdLst>
         </p14:section>
       </p14:sectionLst>
     </p:ext>
+    <p:ext uri="{EFAFB233-063F-42B5-8137-9DF3F51BA10A}">
+      <p15:sldGuideLst xmlns:p15="http://schemas.microsoft.com/office/powerpoint/2012/main">
+        <p15:guide id="1" orient="horz" pos="2160">
+          <p15:clr>
+            <a:srgbClr val="A4A3A4"/>
+          </p15:clr>
+        </p15:guide>
+        <p15:guide id="2" pos="2863">
+          <p15:clr>
+            <a:srgbClr val="A4A3A4"/>
+          </p15:clr>
+        </p15:guide>
+      </p15:sldGuideLst>
+    </p:ext>
   </p:extLst>
 </p:presentation>
+</file>
+
+<file path=ppt/revisionInfo.xml><?xml version="1.0" encoding="utf-8"?>
+<p1510:revInfo xmlns:a="http://schemas.openxmlformats.org/drawingml/2006/main" xmlns:r="http://schemas.openxmlformats.org/officeDocument/2006/relationships" xmlns:p1510="http://schemas.microsoft.com/office/powerpoint/2015/10/main"/>
 </file>
 
 <file path=ppt/notesMasters/notesMaster1.xml><?xml version="1.0" encoding="utf-8"?>
@@ -230,6 +239,7 @@
           <a:p>
             <a:fld id="{81CFF8C7-C57D-4492-855C-AD914604A572}" type="datetimeFigureOut">
               <a:rPr lang="ru-RU" smtClean="0"/>
+              <a:t>20.01.2018</a:t>
             </a:fld>
             <a:endParaRPr lang="ru-RU"/>
           </a:p>
@@ -296,7 +306,6 @@
               <a:rPr lang="ru-RU"/>
               <a:t>Образец текста</a:t>
             </a:r>
-            <a:endParaRPr lang="ru-RU"/>
           </a:p>
           <a:p>
             <a:pPr lvl="1"/>
@@ -304,7 +313,6 @@
               <a:rPr lang="ru-RU"/>
               <a:t>Второй уровень</a:t>
             </a:r>
-            <a:endParaRPr lang="ru-RU"/>
           </a:p>
           <a:p>
             <a:pPr lvl="2"/>
@@ -312,7 +320,6 @@
               <a:rPr lang="ru-RU"/>
               <a:t>Третий уровень</a:t>
             </a:r>
-            <a:endParaRPr lang="ru-RU"/>
           </a:p>
           <a:p>
             <a:pPr lvl="3"/>
@@ -320,7 +327,6 @@
               <a:rPr lang="ru-RU"/>
               <a:t>Четвертый уровень</a:t>
             </a:r>
-            <a:endParaRPr lang="ru-RU"/>
           </a:p>
           <a:p>
             <a:pPr lvl="4"/>
@@ -391,6 +397,7 @@
           <a:p>
             <a:fld id="{0CF71528-B6E9-4397-B8DB-FB98764CBEEF}" type="slidenum">
               <a:rPr lang="ru-RU" smtClean="0"/>
+              <a:t>‹#›</a:t>
             </a:fld>
             <a:endParaRPr lang="ru-RU"/>
           </a:p>
@@ -771,7 +778,6 @@
               <a:rPr lang="ru-RU" dirty="0"/>
               <a:t>Образец текста</a:t>
             </a:r>
-            <a:endParaRPr lang="ru-RU" dirty="0"/>
           </a:p>
           <a:p>
             <a:pPr lvl="1"/>
@@ -779,7 +785,6 @@
               <a:rPr lang="ru-RU" dirty="0"/>
               <a:t>Второй уровень</a:t>
             </a:r>
-            <a:endParaRPr lang="ru-RU" dirty="0"/>
           </a:p>
           <a:p>
             <a:pPr lvl="2"/>
@@ -787,7 +792,6 @@
               <a:rPr lang="ru-RU" dirty="0"/>
               <a:t>Третий уровень</a:t>
             </a:r>
-            <a:endParaRPr lang="ru-RU" dirty="0"/>
           </a:p>
           <a:p>
             <a:pPr lvl="3"/>
@@ -795,7 +799,6 @@
               <a:rPr lang="ru-RU" dirty="0"/>
               <a:t>Четвертый уровень</a:t>
             </a:r>
-            <a:endParaRPr lang="ru-RU" dirty="0"/>
           </a:p>
           <a:p>
             <a:pPr lvl="4"/>
@@ -832,6 +835,7 @@
           <a:p>
             <a:fld id="{33067CA6-2D92-4602-87FB-B81B94BA46B2}" type="slidenum">
               <a:rPr lang="ru-RU" smtClean="0"/>
+              <a:t>‹#›</a:t>
             </a:fld>
             <a:endParaRPr lang="ru-RU" dirty="0"/>
           </a:p>
@@ -1090,7 +1094,6 @@
               <a:rPr lang="ru-RU" dirty="0"/>
               <a:t>Образец текста</a:t>
             </a:r>
-            <a:endParaRPr lang="ru-RU" dirty="0"/>
           </a:p>
           <a:p>
             <a:pPr lvl="1"/>
@@ -1098,7 +1101,6 @@
               <a:rPr lang="ru-RU" dirty="0"/>
               <a:t>Второй уровень</a:t>
             </a:r>
-            <a:endParaRPr lang="ru-RU" dirty="0"/>
           </a:p>
           <a:p>
             <a:pPr lvl="2"/>
@@ -1106,7 +1108,6 @@
               <a:rPr lang="ru-RU" dirty="0"/>
               <a:t>Третий уровень</a:t>
             </a:r>
-            <a:endParaRPr lang="ru-RU" dirty="0"/>
           </a:p>
           <a:p>
             <a:pPr lvl="3"/>
@@ -1114,7 +1115,6 @@
               <a:rPr lang="ru-RU" dirty="0"/>
               <a:t>Четвертый уровень</a:t>
             </a:r>
-            <a:endParaRPr lang="ru-RU" dirty="0"/>
           </a:p>
           <a:p>
             <a:pPr lvl="4"/>
@@ -1151,6 +1151,7 @@
           <a:p>
             <a:fld id="{33067CA6-2D92-4602-87FB-B81B94BA46B2}" type="slidenum">
               <a:rPr lang="ru-RU" smtClean="0"/>
+              <a:t>‹#›</a:t>
             </a:fld>
             <a:endParaRPr lang="ru-RU" dirty="0"/>
           </a:p>
@@ -1266,6 +1267,7 @@
           <a:p>
             <a:fld id="{33067CA6-2D92-4602-87FB-B81B94BA46B2}" type="slidenum">
               <a:rPr lang="ru-RU" smtClean="0"/>
+              <a:t>‹#›</a:t>
             </a:fld>
             <a:endParaRPr lang="ru-RU" dirty="0"/>
           </a:p>
@@ -1296,7 +1298,6 @@
               <a:rPr lang="ru-RU" dirty="0"/>
               <a:t>Образец текста</a:t>
             </a:r>
-            <a:endParaRPr lang="ru-RU" dirty="0"/>
           </a:p>
           <a:p>
             <a:pPr lvl="1"/>
@@ -1304,7 +1305,6 @@
               <a:rPr lang="ru-RU" dirty="0"/>
               <a:t>Второй уровень</a:t>
             </a:r>
-            <a:endParaRPr lang="ru-RU" dirty="0"/>
           </a:p>
           <a:p>
             <a:pPr lvl="2"/>
@@ -1312,7 +1312,6 @@
               <a:rPr lang="ru-RU" dirty="0"/>
               <a:t>Третий уровень</a:t>
             </a:r>
-            <a:endParaRPr lang="ru-RU" dirty="0"/>
           </a:p>
           <a:p>
             <a:pPr lvl="3"/>
@@ -1320,7 +1319,6 @@
               <a:rPr lang="ru-RU" dirty="0"/>
               <a:t>Четвертый уровень</a:t>
             </a:r>
-            <a:endParaRPr lang="ru-RU" dirty="0"/>
           </a:p>
           <a:p>
             <a:pPr lvl="4"/>
@@ -1612,7 +1610,7 @@
     <p:bg>
       <p:bgPr>
         <a:blipFill dpi="0" rotWithShape="1">
-          <a:blip r:embed="rId6">
+          <a:blip r:embed="rId7">
             <a:lum/>
           </a:blip>
           <a:srcRect/>
@@ -1699,7 +1697,6 @@
               <a:rPr lang="ru-RU"/>
               <a:t>Образец текста</a:t>
             </a:r>
-            <a:endParaRPr lang="ru-RU"/>
           </a:p>
           <a:p>
             <a:pPr lvl="1"/>
@@ -1707,7 +1704,6 @@
               <a:rPr lang="ru-RU"/>
               <a:t>Второй уровень</a:t>
             </a:r>
-            <a:endParaRPr lang="ru-RU"/>
           </a:p>
           <a:p>
             <a:pPr lvl="2"/>
@@ -1715,7 +1711,6 @@
               <a:rPr lang="ru-RU"/>
               <a:t>Третий уровень</a:t>
             </a:r>
-            <a:endParaRPr lang="ru-RU"/>
           </a:p>
           <a:p>
             <a:pPr lvl="3"/>
@@ -1723,7 +1718,6 @@
               <a:rPr lang="ru-RU"/>
               <a:t>Четвертый уровень</a:t>
             </a:r>
-            <a:endParaRPr lang="ru-RU"/>
           </a:p>
           <a:p>
             <a:pPr lvl="4"/>
@@ -1769,6 +1763,7 @@
           <a:p>
             <a:fld id="{B3D7935A-E16E-4B6D-89BB-CEE100CDDA09}" type="datetime1">
               <a:rPr lang="ru-RU" smtClean="0"/>
+              <a:t>20.01.2018</a:t>
             </a:fld>
             <a:endParaRPr lang="ru-RU"/>
           </a:p>
@@ -1846,6 +1841,7 @@
           <a:p>
             <a:fld id="{33067CA6-2D92-4602-87FB-B81B94BA46B2}" type="slidenum">
               <a:rPr lang="ru-RU" smtClean="0"/>
+              <a:t>‹#›</a:t>
             </a:fld>
             <a:endParaRPr lang="ru-RU"/>
           </a:p>
@@ -2185,7 +2181,6 @@
               <a:rPr lang="ru-RU" altLang="ru-RU" sz="2400" dirty="0"/>
               <a:t>Герман Константинович</a:t>
             </a:r>
-            <a:endParaRPr lang="ru-RU" altLang="ru-RU" sz="2400" dirty="0"/>
           </a:p>
           <a:p>
             <a:pPr algn="r"/>
@@ -2196,6 +2191,53 @@
             <a:r>
               <a:rPr lang="x-none" altLang="ru-RU" sz="2000" dirty="0"/>
               <a:t>@krimmel.ru</a:t>
+            </a:r>
+          </a:p>
+        </p:txBody>
+      </p:sp>
+    </p:spTree>
+  </p:cSld>
+  <p:clrMapOvr>
+    <a:masterClrMapping/>
+  </p:clrMapOvr>
+</p:sld>
+</file>
+
+<file path=ppt/slides/slide10.xml><?xml version="1.0" encoding="utf-8"?>
+<p:sld xmlns:a="http://schemas.openxmlformats.org/drawingml/2006/main" xmlns:r="http://schemas.openxmlformats.org/officeDocument/2006/relationships" xmlns:p="http://schemas.openxmlformats.org/presentationml/2006/main">
+  <p:cSld>
+    <p:spTree>
+      <p:nvGrpSpPr>
+        <p:cNvPr id="1" name=""/>
+        <p:cNvGrpSpPr/>
+        <p:nvPr/>
+      </p:nvGrpSpPr>
+      <p:grpSpPr>
+        <a:xfrm>
+          <a:off x="0" y="0"/>
+          <a:ext cx="0" cy="0"/>
+          <a:chOff x="0" y="0"/>
+          <a:chExt cx="0" cy="0"/>
+        </a:xfrm>
+      </p:grpSpPr>
+      <p:sp>
+        <p:nvSpPr>
+          <p:cNvPr id="2" name="Подзаголовок 1"/>
+          <p:cNvSpPr>
+            <a:spLocks noGrp="1"/>
+          </p:cNvSpPr>
+          <p:nvPr>
+            <p:ph type="subTitle" idx="1"/>
+          </p:nvPr>
+        </p:nvSpPr>
+        <p:spPr/>
+        <p:txBody>
+          <a:bodyPr/>
+          <a:lstStyle/>
+          <a:p>
+            <a:r>
+              <a:rPr lang="x-none" altLang="ru-RU" sz="4800"/>
+              <a:t>Спасибо за внимание!</a:t>
             </a:r>
           </a:p>
         </p:txBody>
@@ -2246,7 +2288,6 @@
               <a:rPr lang="x-none" altLang="ru-RU" dirty="0"/>
               <a:t>План</a:t>
             </a:r>
-            <a:endParaRPr lang="x-none" altLang="ru-RU" dirty="0"/>
           </a:p>
         </p:txBody>
       </p:sp>
@@ -2272,46 +2313,56 @@
           </a:bodyPr>
           <a:lstStyle/>
           <a:p>
+            <a:pPr marL="0" indent="0">
+              <a:buNone/>
+            </a:pPr>
+            <a:r>
+              <a:rPr lang="x-none" altLang="ru-RU" dirty="0"/>
+              <a:t>Задачи на пару:</a:t>
+            </a:r>
+            <a:endParaRPr lang="en-US" altLang="ru-RU" dirty="0"/>
+          </a:p>
+          <a:p>
+            <a:pPr lvl="1"/>
             <a:r>
               <a:rPr lang="x-none" altLang="ru-RU" dirty="0"/>
               <a:t>Архитектура PostgreSQL</a:t>
             </a:r>
-            <a:endParaRPr lang="x-none" altLang="ru-RU" dirty="0"/>
-          </a:p>
-          <a:p>
+          </a:p>
+          <a:p>
+            <a:pPr lvl="1"/>
             <a:r>
               <a:rPr lang="x-none" altLang="ru-RU" dirty="0"/>
               <a:t>Подключение к PostgreSQL</a:t>
             </a:r>
-            <a:endParaRPr lang="x-none" altLang="ru-RU" dirty="0"/>
-          </a:p>
-          <a:p>
+          </a:p>
+          <a:p>
+            <a:pPr lvl="1"/>
             <a:r>
               <a:rPr lang="x-none" altLang="ru-RU" dirty="0"/>
               <a:t>Создание таблиц</a:t>
             </a:r>
-            <a:endParaRPr lang="x-none" altLang="ru-RU" dirty="0"/>
-          </a:p>
-          <a:p>
+          </a:p>
+          <a:p>
+            <a:pPr lvl="1"/>
             <a:r>
               <a:rPr lang="x-none" altLang="ru-RU" dirty="0"/>
               <a:t>Добавление, изменение и удаление значений</a:t>
             </a:r>
-            <a:endParaRPr lang="x-none" altLang="ru-RU" dirty="0"/>
-          </a:p>
-          <a:p>
-            <a:r>
-              <a:rPr lang="x-none"/>
+          </a:p>
+          <a:p>
+            <a:pPr lvl="1"/>
+            <a:r>
+              <a:rPr lang="x-none" dirty="0"/>
               <a:t>Изменение структуры таблиц</a:t>
             </a:r>
-            <a:endParaRPr lang="x-none"/>
-          </a:p>
-          <a:p>
-            <a:r>
-              <a:rPr lang="x-none"/>
+          </a:p>
+          <a:p>
+            <a:pPr lvl="1"/>
+            <a:r>
+              <a:rPr lang="x-none" dirty="0"/>
               <a:t>Ограничения</a:t>
             </a:r>
-            <a:endParaRPr lang="x-none"/>
           </a:p>
         </p:txBody>
       </p:sp>
@@ -2332,6 +2383,7 @@
           <a:p>
             <a:fld id="{33067CA6-2D92-4602-87FB-B81B94BA46B2}" type="slidenum">
               <a:rPr lang="ru-RU" smtClean="0"/>
+              <a:t>2</a:t>
             </a:fld>
             <a:endParaRPr lang="ru-RU" dirty="0"/>
           </a:p>
@@ -2387,7 +2439,6 @@
               <a:rPr lang="en-US" altLang="ru-RU" sz="2800" dirty="0"/>
               <a:t>PostgreSQL</a:t>
             </a:r>
-            <a:endParaRPr lang="en-US" altLang="ru-RU" sz="2800" dirty="0"/>
           </a:p>
         </p:txBody>
       </p:sp>
@@ -2409,7 +2460,7 @@
         </p:spPr>
         <p:txBody>
           <a:bodyPr>
-            <a:normAutofit lnSpcReduction="10000"/>
+            <a:normAutofit/>
           </a:bodyPr>
           <a:lstStyle/>
           <a:p>
@@ -2443,6 +2494,7 @@
           <a:p>
             <a:fld id="{33067CA6-2D92-4602-87FB-B81B94BA46B2}" type="slidenum">
               <a:rPr lang="ru-RU" smtClean="0"/>
+              <a:t>3</a:t>
             </a:fld>
             <a:endParaRPr lang="ru-RU" dirty="0"/>
           </a:p>
@@ -2457,7 +2509,7 @@
           <p:nvPr/>
         </p:nvPicPr>
         <p:blipFill>
-          <a:blip r:embed="rId1"/>
+          <a:blip r:embed="rId2"/>
           <a:stretch>
             <a:fillRect/>
           </a:stretch>
@@ -2499,7 +2551,13 @@
       </p:grpSpPr>
       <p:sp>
         <p:nvSpPr>
-          <p:cNvPr id="2" name="Заголовок 1"/>
+          <p:cNvPr id="2" name="Заголовок 1">
+            <a:extLst>
+              <a:ext uri="{FF2B5EF4-FFF2-40B4-BE49-F238E27FC236}">
+                <a16:creationId xmlns:a16="http://schemas.microsoft.com/office/drawing/2014/main" id="{5DA6FED3-812B-46B3-8AD9-D180F0EC3209}"/>
+              </a:ext>
+            </a:extLst>
+          </p:cNvPr>
           <p:cNvSpPr>
             <a:spLocks noGrp="1"/>
           </p:cNvSpPr>
@@ -2515,16 +2573,280 @@
           <a:lstStyle/>
           <a:p>
             <a:r>
-              <a:rPr lang="x-none" altLang="ru-RU" dirty="0"/>
-              <a:t>Схема БД</a:t>
-            </a:r>
-            <a:endParaRPr lang="x-none" altLang="ru-RU" dirty="0"/>
-          </a:p>
-        </p:txBody>
-      </p:sp>
-      <p:sp>
-        <p:nvSpPr>
-          <p:cNvPr id="4" name="Номер слайда 3"/>
+              <a:rPr lang="ru-RU" dirty="0"/>
+              <a:t>Подключение к </a:t>
+            </a:r>
+            <a:r>
+              <a:rPr lang="en-US" dirty="0"/>
+              <a:t>PostgreSQL</a:t>
+            </a:r>
+            <a:endParaRPr lang="ru-RU" dirty="0"/>
+          </a:p>
+        </p:txBody>
+      </p:sp>
+      <p:sp>
+        <p:nvSpPr>
+          <p:cNvPr id="3" name="Объект 2">
+            <a:extLst>
+              <a:ext uri="{FF2B5EF4-FFF2-40B4-BE49-F238E27FC236}">
+                <a16:creationId xmlns:a16="http://schemas.microsoft.com/office/drawing/2014/main" id="{E3B648A9-051B-42BB-85FF-0C5800287EF5}"/>
+              </a:ext>
+            </a:extLst>
+          </p:cNvPr>
+          <p:cNvSpPr>
+            <a:spLocks noGrp="1"/>
+          </p:cNvSpPr>
+          <p:nvPr>
+            <p:ph idx="1"/>
+          </p:nvPr>
+        </p:nvSpPr>
+        <p:spPr>
+          <a:xfrm>
+            <a:off x="467544" y="1268760"/>
+            <a:ext cx="8229600" cy="4525963"/>
+          </a:xfrm>
+        </p:spPr>
+        <p:txBody>
+          <a:bodyPr/>
+          <a:lstStyle/>
+          <a:p>
+            <a:pPr marL="0" indent="0">
+              <a:buNone/>
+            </a:pPr>
+            <a:r>
+              <a:rPr lang="en-US" sz="2800" dirty="0" err="1">
+                <a:solidFill>
+                  <a:srgbClr val="A02A1D"/>
+                </a:solidFill>
+              </a:rPr>
+              <a:t>psql</a:t>
+            </a:r>
+            <a:r>
+              <a:rPr lang="en-US" sz="2800" dirty="0">
+                <a:solidFill>
+                  <a:srgbClr val="A02A1D"/>
+                </a:solidFill>
+              </a:rPr>
+              <a:t> –h </a:t>
+            </a:r>
+            <a:r>
+              <a:rPr lang="en-US" sz="2800" dirty="0"/>
+              <a:t>&lt;host&gt; </a:t>
+            </a:r>
+            <a:r>
+              <a:rPr lang="en-US" sz="2800" dirty="0">
+                <a:solidFill>
+                  <a:srgbClr val="A02A1D"/>
+                </a:solidFill>
+              </a:rPr>
+              <a:t>-p</a:t>
+            </a:r>
+            <a:r>
+              <a:rPr lang="en-US" sz="2800" dirty="0"/>
+              <a:t> &lt;port&gt; </a:t>
+            </a:r>
+            <a:r>
+              <a:rPr lang="en-US" sz="2800" dirty="0">
+                <a:solidFill>
+                  <a:srgbClr val="A02A1D"/>
+                </a:solidFill>
+              </a:rPr>
+              <a:t>-U </a:t>
+            </a:r>
+            <a:r>
+              <a:rPr lang="en-US" sz="2800" dirty="0"/>
+              <a:t>&lt;username&gt; &lt;</a:t>
+            </a:r>
+            <a:r>
+              <a:rPr lang="en-US" sz="2800" dirty="0" err="1"/>
+              <a:t>dbname</a:t>
+            </a:r>
+            <a:r>
+              <a:rPr lang="en-US" sz="2800" dirty="0"/>
+              <a:t>&gt;</a:t>
+            </a:r>
+            <a:endParaRPr lang="ru-RU" sz="2800" dirty="0"/>
+          </a:p>
+          <a:p>
+            <a:pPr lvl="1">
+              <a:buFont typeface="Calibri" panose="020F0502020204030204" pitchFamily="34" charset="0"/>
+              <a:buChar char="–"/>
+            </a:pPr>
+            <a:r>
+              <a:rPr lang="en-US" dirty="0">
+                <a:solidFill>
+                  <a:srgbClr val="A02A1D"/>
+                </a:solidFill>
+              </a:rPr>
+              <a:t>h</a:t>
+            </a:r>
+            <a:r>
+              <a:rPr lang="en-US" dirty="0"/>
+              <a:t> –</a:t>
+            </a:r>
+            <a:r>
+              <a:rPr lang="ru-RU" dirty="0"/>
+              <a:t> имя хоста (</a:t>
+            </a:r>
+            <a:r>
+              <a:rPr lang="en-US" dirty="0">
+                <a:solidFill>
+                  <a:srgbClr val="A02A1D"/>
+                </a:solidFill>
+              </a:rPr>
+              <a:t>IP-</a:t>
+            </a:r>
+            <a:r>
+              <a:rPr lang="ru-RU" dirty="0">
+                <a:solidFill>
+                  <a:srgbClr val="A02A1D"/>
+                </a:solidFill>
+              </a:rPr>
+              <a:t>адрес </a:t>
+            </a:r>
+            <a:r>
+              <a:rPr lang="ru-RU" dirty="0"/>
+              <a:t>или </a:t>
+            </a:r>
+            <a:r>
+              <a:rPr lang="en-US" dirty="0">
+                <a:solidFill>
+                  <a:srgbClr val="A02A1D"/>
+                </a:solidFill>
+              </a:rPr>
+              <a:t>DNS</a:t>
+            </a:r>
+            <a:r>
+              <a:rPr lang="ru-RU" dirty="0"/>
+              <a:t>)</a:t>
+            </a:r>
+            <a:endParaRPr lang="en-US" dirty="0"/>
+          </a:p>
+          <a:p>
+            <a:pPr lvl="1">
+              <a:buFont typeface="Calibri" panose="020F0502020204030204" pitchFamily="34" charset="0"/>
+              <a:buChar char="–"/>
+            </a:pPr>
+            <a:r>
+              <a:rPr lang="en-US" dirty="0">
+                <a:solidFill>
+                  <a:srgbClr val="A02A1D"/>
+                </a:solidFill>
+              </a:rPr>
+              <a:t>P</a:t>
+            </a:r>
+            <a:r>
+              <a:rPr lang="en-US" dirty="0"/>
+              <a:t> – </a:t>
+            </a:r>
+            <a:r>
+              <a:rPr lang="ru-RU" dirty="0"/>
+              <a:t>номер порта (по умолчанию: </a:t>
+            </a:r>
+            <a:r>
+              <a:rPr lang="ru-RU" dirty="0">
+                <a:solidFill>
+                  <a:srgbClr val="A02A1D"/>
+                </a:solidFill>
+              </a:rPr>
+              <a:t>5432</a:t>
+            </a:r>
+            <a:r>
+              <a:rPr lang="ru-RU" dirty="0"/>
+              <a:t>)</a:t>
+            </a:r>
+            <a:endParaRPr lang="en-US" dirty="0"/>
+          </a:p>
+          <a:p>
+            <a:pPr lvl="1">
+              <a:buFont typeface="Calibri" panose="020F0502020204030204" pitchFamily="34" charset="0"/>
+              <a:buChar char="–"/>
+            </a:pPr>
+            <a:r>
+              <a:rPr lang="en-US" dirty="0">
+                <a:solidFill>
+                  <a:srgbClr val="A02A1D"/>
+                </a:solidFill>
+              </a:rPr>
+              <a:t>U</a:t>
+            </a:r>
+            <a:r>
+              <a:rPr lang="en-US" dirty="0"/>
+              <a:t> –</a:t>
+            </a:r>
+            <a:r>
+              <a:rPr lang="ru-RU" dirty="0"/>
+              <a:t> имя пользователя</a:t>
+            </a:r>
+            <a:endParaRPr lang="en-US" dirty="0"/>
+          </a:p>
+          <a:p>
+            <a:pPr lvl="1">
+              <a:buFont typeface="Calibri" panose="020F0502020204030204" pitchFamily="34" charset="0"/>
+              <a:buChar char="–"/>
+            </a:pPr>
+            <a:r>
+              <a:rPr lang="en-US" dirty="0" err="1">
+                <a:solidFill>
+                  <a:srgbClr val="A02A1D"/>
+                </a:solidFill>
+              </a:rPr>
+              <a:t>dbname</a:t>
+            </a:r>
+            <a:r>
+              <a:rPr lang="en-US" dirty="0"/>
+              <a:t> – </a:t>
+            </a:r>
+            <a:r>
+              <a:rPr lang="ru-RU" dirty="0"/>
+              <a:t>имя базы данных</a:t>
+            </a:r>
+            <a:endParaRPr lang="en-US" dirty="0"/>
+          </a:p>
+          <a:p>
+            <a:pPr lvl="1">
+              <a:buFont typeface="Calibri" panose="020F0502020204030204" pitchFamily="34" charset="0"/>
+              <a:buChar char="–"/>
+            </a:pPr>
+            <a:endParaRPr lang="en-US" dirty="0"/>
+          </a:p>
+          <a:p>
+            <a:pPr marL="0" indent="0">
+              <a:buNone/>
+            </a:pPr>
+            <a:r>
+              <a:rPr lang="en-US" dirty="0">
+                <a:solidFill>
+                  <a:srgbClr val="A02A1D"/>
+                </a:solidFill>
+              </a:rPr>
+              <a:t>CREATE DATABASE</a:t>
+            </a:r>
+            <a:r>
+              <a:rPr lang="en-US" dirty="0"/>
+              <a:t> &lt;</a:t>
+            </a:r>
+            <a:r>
+              <a:rPr lang="en-US" dirty="0" err="1"/>
+              <a:t>dbname</a:t>
+            </a:r>
+            <a:r>
+              <a:rPr lang="en-US" dirty="0"/>
+              <a:t>&gt;;</a:t>
+            </a:r>
+            <a:endParaRPr lang="ru-RU" dirty="0"/>
+          </a:p>
+        </p:txBody>
+      </p:sp>
+      <p:sp>
+        <p:nvSpPr>
+          <p:cNvPr id="4" name="Номер слайда 3">
+            <a:extLst>
+              <a:ext uri="{FF2B5EF4-FFF2-40B4-BE49-F238E27FC236}">
+                <a16:creationId xmlns:a16="http://schemas.microsoft.com/office/drawing/2014/main" id="{B1EC3190-E839-4EB3-8CED-055EDEDDF369}"/>
+              </a:ext>
+            </a:extLst>
+          </p:cNvPr>
           <p:cNvSpPr>
             <a:spLocks noGrp="1"/>
           </p:cNvSpPr>
@@ -2539,342 +2861,18 @@
           <a:p>
             <a:fld id="{33067CA6-2D92-4602-87FB-B81B94BA46B2}" type="slidenum">
               <a:rPr lang="ru-RU" smtClean="0"/>
+              <a:t>4</a:t>
             </a:fld>
             <a:endParaRPr lang="ru-RU" dirty="0"/>
           </a:p>
         </p:txBody>
       </p:sp>
-      <p:sp>
-        <p:nvSpPr>
-          <p:cNvPr id="6" name="Объект 2"/>
-          <p:cNvSpPr>
-            <a:spLocks noGrp="1"/>
-          </p:cNvSpPr>
-          <p:nvPr>
-            <p:ph idx="1"/>
-          </p:nvPr>
-        </p:nvSpPr>
-        <p:spPr>
-          <a:xfrm>
-            <a:off x="392431" y="1268730"/>
-            <a:ext cx="3387482" cy="4526280"/>
-          </a:xfrm>
-        </p:spPr>
-        <p:txBody>
-          <a:bodyPr>
-            <a:normAutofit/>
-          </a:bodyPr>
-          <a:lstStyle/>
-          <a:p>
-            <a:r>
-              <a:rPr lang="ru-RU" sz="2400" dirty="0"/>
-              <a:t>Студент</a:t>
-            </a:r>
-            <a:endParaRPr lang="ru-RU" sz="2400" dirty="0"/>
-          </a:p>
-          <a:p>
-            <a:r>
-              <a:rPr lang="ru-RU" sz="2400" dirty="0"/>
-              <a:t>Группа</a:t>
-            </a:r>
-            <a:endParaRPr lang="ru-RU" sz="2400" dirty="0"/>
-          </a:p>
-          <a:p>
-            <a:r>
-              <a:rPr lang="ru-RU" sz="2400" dirty="0"/>
-              <a:t>Предмет</a:t>
-            </a:r>
-            <a:endParaRPr lang="ru-RU" sz="2400" dirty="0"/>
-          </a:p>
-          <a:p>
-            <a:r>
-              <a:rPr lang="ru-RU" sz="2400" dirty="0"/>
-              <a:t>Оценка</a:t>
-            </a:r>
-            <a:endParaRPr lang="ru-RU" sz="2400" dirty="0"/>
-          </a:p>
-          <a:p>
-            <a:r>
-              <a:rPr lang="ru-RU" sz="2400" dirty="0"/>
-              <a:t>Экзамен</a:t>
-            </a:r>
-            <a:endParaRPr lang="ru-RU" sz="2400" dirty="0"/>
-          </a:p>
-          <a:p>
-            <a:endParaRPr lang="ru-RU" sz="2400" dirty="0"/>
-          </a:p>
-          <a:p>
-            <a:pPr marL="0" indent="0">
-              <a:buNone/>
-            </a:pPr>
-            <a:endParaRPr lang="ru-RU" sz="2400" dirty="0"/>
-          </a:p>
-        </p:txBody>
-      </p:sp>
-      <p:sp>
-        <p:nvSpPr>
-          <p:cNvPr id="7" name="Объект 2"/>
-          <p:cNvSpPr txBox="1"/>
-          <p:nvPr/>
-        </p:nvSpPr>
-        <p:spPr>
-          <a:xfrm>
-            <a:off x="4070985" y="1268730"/>
-            <a:ext cx="4532630" cy="4526280"/>
-          </a:xfrm>
-          <a:prstGeom prst="rect">
-            <a:avLst/>
-          </a:prstGeom>
-        </p:spPr>
-        <p:txBody>
-          <a:bodyPr vert="horz" lIns="91440" tIns="45720" rIns="91440" bIns="45720" rtlCol="0">
-            <a:normAutofit/>
-          </a:bodyPr>
-          <a:lstStyle>
-            <a:lvl1pPr marL="342900" indent="-342900" algn="l" defTabSz="914400" rtl="0" eaLnBrk="1" latinLnBrk="0" hangingPunct="1">
-              <a:spcBef>
-                <a:spcPct val="20000"/>
-              </a:spcBef>
-              <a:buFont typeface="Arial" panose="02080604020202020204" charset="0"/>
-              <a:buChar char="•"/>
-              <a:defRPr sz="3200" kern="1200">
-                <a:solidFill>
-                  <a:schemeClr val="tx1"/>
-                </a:solidFill>
-                <a:latin typeface="+mn-lt"/>
-                <a:ea typeface="+mn-ea"/>
-                <a:cs typeface="+mn-cs"/>
-              </a:defRPr>
-            </a:lvl1pPr>
-            <a:lvl2pPr marL="742950" indent="-285750" algn="l" defTabSz="914400" rtl="0" eaLnBrk="1" latinLnBrk="0" hangingPunct="1">
-              <a:spcBef>
-                <a:spcPct val="20000"/>
-              </a:spcBef>
-              <a:buFont typeface="Arial" panose="02080604020202020204" charset="0"/>
-              <a:buChar char="–"/>
-              <a:defRPr sz="2800" kern="1200">
-                <a:solidFill>
-                  <a:schemeClr val="tx1"/>
-                </a:solidFill>
-                <a:latin typeface="+mn-lt"/>
-                <a:ea typeface="+mn-ea"/>
-                <a:cs typeface="+mn-cs"/>
-              </a:defRPr>
-            </a:lvl2pPr>
-            <a:lvl3pPr marL="1143000" indent="-228600" algn="l" defTabSz="914400" rtl="0" eaLnBrk="1" latinLnBrk="0" hangingPunct="1">
-              <a:spcBef>
-                <a:spcPct val="20000"/>
-              </a:spcBef>
-              <a:buFont typeface="Arial" panose="02080604020202020204" charset="0"/>
-              <a:buChar char="•"/>
-              <a:defRPr sz="2400" kern="1200">
-                <a:solidFill>
-                  <a:schemeClr val="tx1"/>
-                </a:solidFill>
-                <a:latin typeface="+mn-lt"/>
-                <a:ea typeface="+mn-ea"/>
-                <a:cs typeface="+mn-cs"/>
-              </a:defRPr>
-            </a:lvl3pPr>
-            <a:lvl4pPr marL="1600200" indent="-228600" algn="l" defTabSz="914400" rtl="0" eaLnBrk="1" latinLnBrk="0" hangingPunct="1">
-              <a:spcBef>
-                <a:spcPct val="20000"/>
-              </a:spcBef>
-              <a:buFont typeface="Arial" panose="02080604020202020204" charset="0"/>
-              <a:buChar char="–"/>
-              <a:defRPr sz="2000" kern="1200">
-                <a:solidFill>
-                  <a:schemeClr val="tx1"/>
-                </a:solidFill>
-                <a:latin typeface="+mn-lt"/>
-                <a:ea typeface="+mn-ea"/>
-                <a:cs typeface="+mn-cs"/>
-              </a:defRPr>
-            </a:lvl4pPr>
-            <a:lvl5pPr marL="2057400" indent="-228600" algn="l" defTabSz="914400" rtl="0" eaLnBrk="1" latinLnBrk="0" hangingPunct="1">
-              <a:spcBef>
-                <a:spcPct val="20000"/>
-              </a:spcBef>
-              <a:buFont typeface="Arial" panose="02080604020202020204" charset="0"/>
-              <a:buChar char="»"/>
-              <a:defRPr sz="2000" kern="1200">
-                <a:solidFill>
-                  <a:schemeClr val="tx1"/>
-                </a:solidFill>
-                <a:latin typeface="+mn-lt"/>
-                <a:ea typeface="+mn-ea"/>
-                <a:cs typeface="+mn-cs"/>
-              </a:defRPr>
-            </a:lvl5pPr>
-            <a:lvl6pPr marL="2514600" indent="-228600" algn="l" defTabSz="914400" rtl="0" eaLnBrk="1" latinLnBrk="0" hangingPunct="1">
-              <a:spcBef>
-                <a:spcPct val="20000"/>
-              </a:spcBef>
-              <a:buFont typeface="Arial" panose="02080604020202020204" charset="0"/>
-              <a:buChar char="•"/>
-              <a:defRPr sz="2000" kern="1200">
-                <a:solidFill>
-                  <a:schemeClr val="tx1"/>
-                </a:solidFill>
-                <a:latin typeface="+mn-lt"/>
-                <a:ea typeface="+mn-ea"/>
-                <a:cs typeface="+mn-cs"/>
-              </a:defRPr>
-            </a:lvl6pPr>
-            <a:lvl7pPr marL="2971800" indent="-228600" algn="l" defTabSz="914400" rtl="0" eaLnBrk="1" latinLnBrk="0" hangingPunct="1">
-              <a:spcBef>
-                <a:spcPct val="20000"/>
-              </a:spcBef>
-              <a:buFont typeface="Arial" panose="02080604020202020204" charset="0"/>
-              <a:buChar char="•"/>
-              <a:defRPr sz="2000" kern="1200">
-                <a:solidFill>
-                  <a:schemeClr val="tx1"/>
-                </a:solidFill>
-                <a:latin typeface="+mn-lt"/>
-                <a:ea typeface="+mn-ea"/>
-                <a:cs typeface="+mn-cs"/>
-              </a:defRPr>
-            </a:lvl7pPr>
-            <a:lvl8pPr marL="3429000" indent="-228600" algn="l" defTabSz="914400" rtl="0" eaLnBrk="1" latinLnBrk="0" hangingPunct="1">
-              <a:spcBef>
-                <a:spcPct val="20000"/>
-              </a:spcBef>
-              <a:buFont typeface="Arial" panose="02080604020202020204" charset="0"/>
-              <a:buChar char="•"/>
-              <a:defRPr sz="2000" kern="1200">
-                <a:solidFill>
-                  <a:schemeClr val="tx1"/>
-                </a:solidFill>
-                <a:latin typeface="+mn-lt"/>
-                <a:ea typeface="+mn-ea"/>
-                <a:cs typeface="+mn-cs"/>
-              </a:defRPr>
-            </a:lvl8pPr>
-            <a:lvl9pPr marL="3886200" indent="-228600" algn="l" defTabSz="914400" rtl="0" eaLnBrk="1" latinLnBrk="0" hangingPunct="1">
-              <a:spcBef>
-                <a:spcPct val="20000"/>
-              </a:spcBef>
-              <a:buFont typeface="Arial" panose="02080604020202020204" charset="0"/>
-              <a:buChar char="•"/>
-              <a:defRPr sz="2000" kern="1200">
-                <a:solidFill>
-                  <a:schemeClr val="tx1"/>
-                </a:solidFill>
-                <a:latin typeface="+mn-lt"/>
-                <a:ea typeface="+mn-ea"/>
-                <a:cs typeface="+mn-cs"/>
-              </a:defRPr>
-            </a:lvl9pPr>
-          </a:lstStyle>
-          <a:p>
-            <a:pPr marL="0" indent="0">
-              <a:buNone/>
-            </a:pPr>
-            <a:r>
-              <a:rPr lang="ru-RU" sz="2400" dirty="0"/>
-              <a:t>Отношения</a:t>
-            </a:r>
-            <a:endParaRPr lang="ru-RU" sz="2400" dirty="0"/>
-          </a:p>
-          <a:p>
-            <a:r>
-              <a:rPr lang="ru-RU" sz="2400" dirty="0"/>
-              <a:t>Группа 1:</a:t>
-            </a:r>
-            <a:r>
-              <a:rPr lang="en-US" sz="2400" dirty="0"/>
-              <a:t>m </a:t>
-            </a:r>
-            <a:r>
-              <a:rPr lang="ru-RU" sz="2400" dirty="0"/>
-              <a:t>Студент</a:t>
-            </a:r>
-            <a:endParaRPr lang="ru-RU" sz="2400" dirty="0"/>
-          </a:p>
-          <a:p>
-            <a:r>
-              <a:rPr lang="ru-RU" sz="2400" dirty="0"/>
-              <a:t>Группа 1:1 Староста</a:t>
-            </a:r>
-            <a:endParaRPr lang="ru-RU" sz="2400" dirty="0"/>
-          </a:p>
-          <a:p>
-            <a:endParaRPr lang="ru-RU" sz="2400" dirty="0"/>
-          </a:p>
-          <a:p>
-            <a:r>
-              <a:rPr lang="ru-RU" sz="2400" dirty="0"/>
-              <a:t>Экзамен </a:t>
-            </a:r>
-            <a:r>
-              <a:rPr lang="en-US" sz="2400" dirty="0"/>
-              <a:t>m</a:t>
-            </a:r>
-            <a:r>
-              <a:rPr lang="ru-RU" sz="2400" dirty="0"/>
-              <a:t>:1 Предмет</a:t>
-            </a:r>
-            <a:endParaRPr lang="ru-RU" sz="2400" dirty="0"/>
-          </a:p>
-          <a:p>
-            <a:r>
-              <a:rPr lang="ru-RU" sz="2400" dirty="0"/>
-              <a:t>Экзамен </a:t>
-            </a:r>
-            <a:r>
-              <a:rPr lang="en-US" sz="2400" dirty="0"/>
-              <a:t>m</a:t>
-            </a:r>
-            <a:r>
-              <a:rPr lang="ru-RU" sz="2400" dirty="0"/>
-              <a:t>:1 Группа</a:t>
-            </a:r>
-            <a:endParaRPr lang="ru-RU" sz="2400" dirty="0"/>
-          </a:p>
-          <a:p>
-            <a:r>
-              <a:rPr lang="ru-RU" sz="2400" dirty="0"/>
-              <a:t>Оценка </a:t>
-            </a:r>
-            <a:r>
-              <a:rPr lang="en-US" sz="2400" dirty="0"/>
-              <a:t>m:1 </a:t>
-            </a:r>
-            <a:r>
-              <a:rPr lang="ru-RU" sz="2400" dirty="0"/>
-              <a:t>Экзамен</a:t>
-            </a:r>
-            <a:endParaRPr lang="ru-RU" sz="2400" dirty="0"/>
-          </a:p>
-          <a:p>
-            <a:r>
-              <a:rPr lang="ru-RU" sz="2400" dirty="0"/>
-              <a:t>Оценка </a:t>
-            </a:r>
-            <a:r>
-              <a:rPr lang="en-US" sz="2400" dirty="0"/>
-              <a:t>m:1 </a:t>
-            </a:r>
-            <a:r>
-              <a:rPr lang="ru-RU" sz="2400" dirty="0"/>
-              <a:t>Студент</a:t>
-            </a:r>
-            <a:endParaRPr lang="ru-RU" sz="2400" dirty="0"/>
-          </a:p>
-          <a:p>
-            <a:endParaRPr lang="ru-RU" sz="2400" dirty="0"/>
-          </a:p>
-          <a:p>
-            <a:pPr marL="0" indent="0">
-              <a:buFont typeface="Arial" panose="02080604020202020204" charset="0"/>
-              <a:buNone/>
-            </a:pPr>
-            <a:endParaRPr lang="ru-RU" sz="2400" dirty="0"/>
-          </a:p>
-        </p:txBody>
-      </p:sp>
     </p:spTree>
+    <p:extLst>
+      <p:ext uri="{BB962C8B-B14F-4D97-AF65-F5344CB8AC3E}">
+        <p14:creationId xmlns:p14="http://schemas.microsoft.com/office/powerpoint/2010/main" val="3390387213"/>
+      </p:ext>
+    </p:extLst>
   </p:cSld>
   <p:clrMapOvr>
     <a:masterClrMapping/>
@@ -2901,7 +2899,13 @@
       </p:grpSpPr>
       <p:sp>
         <p:nvSpPr>
-          <p:cNvPr id="2" name="Заголовок 1"/>
+          <p:cNvPr id="2" name="Заголовок 1">
+            <a:extLst>
+              <a:ext uri="{FF2B5EF4-FFF2-40B4-BE49-F238E27FC236}">
+                <a16:creationId xmlns:a16="http://schemas.microsoft.com/office/drawing/2014/main" id="{5DA6FED3-812B-46B3-8AD9-D180F0EC3209}"/>
+              </a:ext>
+            </a:extLst>
+          </p:cNvPr>
           <p:cNvSpPr>
             <a:spLocks noGrp="1"/>
           </p:cNvSpPr>
@@ -2917,16 +2921,29 @@
           <a:lstStyle/>
           <a:p>
             <a:r>
-              <a:rPr lang="x-none" altLang="ru-RU" dirty="0"/>
-              <a:t>Схема БД</a:t>
-            </a:r>
-            <a:endParaRPr lang="x-none" altLang="ru-RU" dirty="0"/>
-          </a:p>
-        </p:txBody>
-      </p:sp>
-      <p:sp>
-        <p:nvSpPr>
-          <p:cNvPr id="3" name="Объект 2"/>
+              <a:rPr lang="ru-RU" dirty="0"/>
+              <a:t>Создание</a:t>
+            </a:r>
+            <a:r>
+              <a:rPr lang="en-US" dirty="0"/>
+              <a:t> </a:t>
+            </a:r>
+            <a:r>
+              <a:rPr lang="ru-RU" dirty="0"/>
+              <a:t>и удаление таблиц</a:t>
+            </a:r>
+          </a:p>
+        </p:txBody>
+      </p:sp>
+      <p:sp>
+        <p:nvSpPr>
+          <p:cNvPr id="3" name="Объект 2">
+            <a:extLst>
+              <a:ext uri="{FF2B5EF4-FFF2-40B4-BE49-F238E27FC236}">
+                <a16:creationId xmlns:a16="http://schemas.microsoft.com/office/drawing/2014/main" id="{E3B648A9-051B-42BB-85FF-0C5800287EF5}"/>
+              </a:ext>
+            </a:extLst>
+          </p:cNvPr>
           <p:cNvSpPr>
             <a:spLocks noGrp="1"/>
           </p:cNvSpPr>
@@ -2936,8 +2953,8 @@
         </p:nvSpPr>
         <p:spPr>
           <a:xfrm>
-            <a:off x="393065" y="1268730"/>
-            <a:ext cx="2886710" cy="4526280"/>
+            <a:off x="467544" y="1268760"/>
+            <a:ext cx="8229600" cy="4525963"/>
           </a:xfrm>
         </p:spPr>
         <p:txBody>
@@ -2950,118 +2967,148 @@
               <a:buNone/>
             </a:pPr>
             <a:r>
-              <a:rPr lang="ru-RU" sz="1800" dirty="0">
-                <a:sym typeface="+mn-ea"/>
+              <a:rPr lang="en-US" sz="2600" dirty="0">
+                <a:solidFill>
+                  <a:srgbClr val="A02A1D"/>
+                </a:solidFill>
               </a:rPr>
-              <a:t>Студен</a:t>
-            </a:r>
-            <a:r>
-              <a:rPr lang="x-none" altLang="ru-RU" sz="1800" dirty="0">
-                <a:sym typeface="+mn-ea"/>
+              <a:t>CREATE TABLE</a:t>
+            </a:r>
+            <a:r>
+              <a:rPr lang="en-US" sz="2600" dirty="0"/>
+              <a:t> &lt;</a:t>
+            </a:r>
+            <a:r>
+              <a:rPr lang="en-US" sz="2600" dirty="0" err="1"/>
+              <a:t>table_name</a:t>
+            </a:r>
+            <a:r>
+              <a:rPr lang="en-US" sz="2600" dirty="0"/>
+              <a:t>&gt;</a:t>
+            </a:r>
+            <a:r>
+              <a:rPr lang="ru-RU" sz="2600" dirty="0"/>
+              <a:t> (</a:t>
+            </a:r>
+          </a:p>
+          <a:p>
+            <a:pPr marL="0" indent="0">
+              <a:buNone/>
+            </a:pPr>
+            <a:r>
+              <a:rPr lang="en-US" sz="2600" dirty="0"/>
+              <a:t>&lt;column_name1&gt; &lt;</a:t>
+            </a:r>
+            <a:r>
+              <a:rPr lang="en-US" sz="2600" dirty="0" err="1"/>
+              <a:t>column_type</a:t>
+            </a:r>
+            <a:r>
+              <a:rPr lang="en-US" sz="2600" dirty="0"/>
+              <a:t>&gt; &lt;column_ constraint&gt;,</a:t>
+            </a:r>
+          </a:p>
+          <a:p>
+            <a:pPr marL="0" indent="0">
+              <a:buNone/>
+            </a:pPr>
+            <a:r>
+              <a:rPr lang="en-US" sz="2600" dirty="0"/>
+              <a:t>&lt;column _name2&gt; &lt;</a:t>
+            </a:r>
+            <a:r>
+              <a:rPr lang="en-US" sz="2600" dirty="0" err="1"/>
+              <a:t>column_type</a:t>
+            </a:r>
+            <a:r>
+              <a:rPr lang="en-US" sz="2600" dirty="0"/>
+              <a:t>&gt; &lt;column _ constraint&gt;,</a:t>
+            </a:r>
+          </a:p>
+          <a:p>
+            <a:pPr marL="0" indent="0">
+              <a:buNone/>
+            </a:pPr>
+            <a:r>
+              <a:rPr lang="en-US" sz="2600" dirty="0"/>
+              <a:t>	… …,</a:t>
+            </a:r>
+          </a:p>
+          <a:p>
+            <a:pPr marL="0" indent="0">
+              <a:buNone/>
+            </a:pPr>
+            <a:r>
+              <a:rPr lang="en-US" sz="2600" dirty="0"/>
+              <a:t>&lt;column _</a:t>
+            </a:r>
+            <a:r>
+              <a:rPr lang="en-US" sz="2600" dirty="0" err="1"/>
+              <a:t>nameN</a:t>
+            </a:r>
+            <a:r>
+              <a:rPr lang="en-US" sz="2600" dirty="0"/>
+              <a:t>&gt; &lt;column _type&gt; &lt;column _ constraint&gt;</a:t>
+            </a:r>
+            <a:endParaRPr lang="ru-RU" sz="2600" dirty="0"/>
+          </a:p>
+          <a:p>
+            <a:pPr marL="0" indent="0">
+              <a:buNone/>
+            </a:pPr>
+            <a:r>
+              <a:rPr lang="ru-RU" sz="2600" dirty="0"/>
+              <a:t>)</a:t>
+            </a:r>
+            <a:r>
+              <a:rPr lang="en-US" sz="2600" dirty="0"/>
+              <a:t>;</a:t>
+            </a:r>
+            <a:endParaRPr lang="ru-RU" sz="2600" dirty="0"/>
+          </a:p>
+          <a:p>
+            <a:pPr marL="0" indent="0">
+              <a:buNone/>
+            </a:pPr>
+            <a:endParaRPr lang="en-US" sz="2600" dirty="0"/>
+          </a:p>
+          <a:p>
+            <a:pPr marL="0" indent="0">
+              <a:buNone/>
+            </a:pPr>
+            <a:r>
+              <a:rPr lang="en-US" sz="2600" dirty="0">
+                <a:solidFill>
+                  <a:srgbClr val="A02A1D"/>
+                </a:solidFill>
               </a:rPr>
-              <a:t>ты</a:t>
-            </a:r>
-            <a:endParaRPr lang="x-none" altLang="ru-RU" sz="1800" dirty="0">
-              <a:sym typeface="+mn-ea"/>
-            </a:endParaRPr>
-          </a:p>
-          <a:p>
-            <a:pPr marL="742950" lvl="1" indent="-285750"/>
-            <a:r>
-              <a:rPr lang="x-none" sz="1575"/>
-              <a:t>Id</a:t>
-            </a:r>
-            <a:endParaRPr lang="x-none" sz="1575"/>
-          </a:p>
-          <a:p>
-            <a:pPr marL="742950" lvl="1" indent="-285750"/>
-            <a:r>
-              <a:rPr lang="x-none" sz="1575"/>
-              <a:t>Name</a:t>
-            </a:r>
-            <a:endParaRPr lang="x-none" sz="1575"/>
-          </a:p>
-          <a:p>
-            <a:pPr marL="0" indent="0">
-              <a:buNone/>
-            </a:pPr>
-            <a:endParaRPr lang="x-none" sz="1800"/>
-          </a:p>
-          <a:p>
-            <a:pPr marL="0" indent="0">
-              <a:buNone/>
-            </a:pPr>
-            <a:r>
-              <a:rPr lang="x-none" sz="1800"/>
-              <a:t>Группы</a:t>
-            </a:r>
-            <a:endParaRPr lang="x-none" sz="1800"/>
-          </a:p>
-          <a:p>
-            <a:pPr marL="742950" lvl="1" indent="-285750"/>
-            <a:r>
-              <a:rPr lang="x-none" sz="1575"/>
-              <a:t>Id</a:t>
-            </a:r>
-            <a:endParaRPr lang="x-none" sz="1575"/>
-          </a:p>
-          <a:p>
-            <a:pPr marL="742950" lvl="1" indent="-285750"/>
-            <a:r>
-              <a:rPr lang="x-none" sz="1575"/>
-              <a:t>Номер</a:t>
-            </a:r>
-            <a:endParaRPr lang="x-none" sz="1575"/>
-          </a:p>
-          <a:p>
-            <a:pPr marL="742950" lvl="1" indent="-285750"/>
-            <a:r>
-              <a:rPr lang="x-none" sz="1575"/>
-              <a:t>Id старосты</a:t>
-            </a:r>
-            <a:endParaRPr lang="x-none" sz="1575"/>
-          </a:p>
-          <a:p>
-            <a:pPr marL="0" indent="0">
-              <a:buNone/>
-            </a:pPr>
-            <a:endParaRPr lang="x-none" sz="1800"/>
-          </a:p>
-          <a:p>
-            <a:pPr marL="0" indent="0">
-              <a:buNone/>
-            </a:pPr>
-            <a:r>
-              <a:rPr lang="x-none" sz="1800"/>
-              <a:t>Предметы</a:t>
-            </a:r>
-            <a:endParaRPr lang="x-none" sz="1800"/>
-          </a:p>
-          <a:p>
-            <a:pPr marL="742950" lvl="1" indent="-285750"/>
-            <a:r>
-              <a:rPr lang="x-none" sz="1575"/>
-              <a:t>Id</a:t>
-            </a:r>
-            <a:endParaRPr lang="x-none" sz="1575"/>
-          </a:p>
-          <a:p>
-            <a:pPr marL="742950" lvl="1" indent="-285750"/>
-            <a:r>
-              <a:rPr lang="x-none" sz="1575"/>
-              <a:t>Name</a:t>
-            </a:r>
-            <a:endParaRPr lang="x-none" sz="1575"/>
-          </a:p>
-          <a:p>
-            <a:pPr marL="285750" indent="-285750"/>
-            <a:endParaRPr lang="x-none" sz="1800"/>
-          </a:p>
-        </p:txBody>
-      </p:sp>
-      <p:sp>
-        <p:nvSpPr>
-          <p:cNvPr id="4" name="Номер слайда 3"/>
+              <a:t>DROP TABLE </a:t>
+            </a:r>
+            <a:r>
+              <a:rPr lang="en-US" sz="2600" dirty="0"/>
+              <a:t>&lt;</a:t>
+            </a:r>
+            <a:r>
+              <a:rPr lang="en-US" sz="2600" dirty="0" err="1"/>
+              <a:t>table_name</a:t>
+            </a:r>
+            <a:r>
+              <a:rPr lang="en-US" sz="2600" dirty="0"/>
+              <a:t>&gt;; </a:t>
+            </a:r>
+            <a:endParaRPr lang="ru-RU" sz="2600" dirty="0"/>
+          </a:p>
+        </p:txBody>
+      </p:sp>
+      <p:sp>
+        <p:nvSpPr>
+          <p:cNvPr id="4" name="Номер слайда 3">
+            <a:extLst>
+              <a:ext uri="{FF2B5EF4-FFF2-40B4-BE49-F238E27FC236}">
+                <a16:creationId xmlns:a16="http://schemas.microsoft.com/office/drawing/2014/main" id="{B1EC3190-E839-4EB3-8CED-055EDEDDF369}"/>
+              </a:ext>
+            </a:extLst>
+          </p:cNvPr>
           <p:cNvSpPr>
             <a:spLocks noGrp="1"/>
           </p:cNvSpPr>
@@ -3076,268 +3123,18 @@
           <a:p>
             <a:fld id="{33067CA6-2D92-4602-87FB-B81B94BA46B2}" type="slidenum">
               <a:rPr lang="ru-RU" smtClean="0"/>
+              <a:t>5</a:t>
             </a:fld>
             <a:endParaRPr lang="ru-RU" dirty="0"/>
           </a:p>
         </p:txBody>
       </p:sp>
-      <p:sp>
-        <p:nvSpPr>
-          <p:cNvPr id="7" name="Объект 2"/>
-          <p:cNvSpPr>
-            <a:spLocks noGrp="1"/>
-          </p:cNvSpPr>
-          <p:nvPr/>
-        </p:nvSpPr>
-        <p:spPr>
-          <a:xfrm>
-            <a:off x="4422775" y="1268730"/>
-            <a:ext cx="2886710" cy="4526280"/>
-          </a:xfrm>
-          <a:prstGeom prst="rect">
-            <a:avLst/>
-          </a:prstGeom>
-        </p:spPr>
-        <p:txBody>
-          <a:bodyPr vert="horz" lIns="91440" tIns="45720" rIns="91440" bIns="45720" rtlCol="0">
-            <a:normAutofit/>
-          </a:bodyPr>
-          <a:lstStyle>
-            <a:lvl1pPr marL="342900" indent="-342900" algn="l" defTabSz="914400" rtl="0" eaLnBrk="1" latinLnBrk="0" hangingPunct="1">
-              <a:spcBef>
-                <a:spcPct val="20000"/>
-              </a:spcBef>
-              <a:buFont typeface="Arial" panose="02080604020202020204" charset="0"/>
-              <a:buChar char="•"/>
-              <a:defRPr sz="3200" kern="1200">
-                <a:solidFill>
-                  <a:schemeClr val="tx1"/>
-                </a:solidFill>
-                <a:latin typeface="+mn-lt"/>
-                <a:ea typeface="+mn-ea"/>
-                <a:cs typeface="+mn-cs"/>
-              </a:defRPr>
-            </a:lvl1pPr>
-            <a:lvl2pPr marL="742950" indent="-285750" algn="l" defTabSz="914400" rtl="0" eaLnBrk="1" latinLnBrk="0" hangingPunct="1">
-              <a:spcBef>
-                <a:spcPct val="20000"/>
-              </a:spcBef>
-              <a:buFont typeface="Arial" panose="02080604020202020204" charset="0"/>
-              <a:buChar char="–"/>
-              <a:defRPr sz="2800" kern="1200">
-                <a:solidFill>
-                  <a:schemeClr val="tx1"/>
-                </a:solidFill>
-                <a:latin typeface="+mn-lt"/>
-                <a:ea typeface="+mn-ea"/>
-                <a:cs typeface="+mn-cs"/>
-              </a:defRPr>
-            </a:lvl2pPr>
-            <a:lvl3pPr marL="1143000" indent="-228600" algn="l" defTabSz="914400" rtl="0" eaLnBrk="1" latinLnBrk="0" hangingPunct="1">
-              <a:spcBef>
-                <a:spcPct val="20000"/>
-              </a:spcBef>
-              <a:buFont typeface="Arial" panose="02080604020202020204" charset="0"/>
-              <a:buChar char="•"/>
-              <a:defRPr sz="2400" kern="1200">
-                <a:solidFill>
-                  <a:schemeClr val="tx1"/>
-                </a:solidFill>
-                <a:latin typeface="+mn-lt"/>
-                <a:ea typeface="+mn-ea"/>
-                <a:cs typeface="+mn-cs"/>
-              </a:defRPr>
-            </a:lvl3pPr>
-            <a:lvl4pPr marL="1600200" indent="-228600" algn="l" defTabSz="914400" rtl="0" eaLnBrk="1" latinLnBrk="0" hangingPunct="1">
-              <a:spcBef>
-                <a:spcPct val="20000"/>
-              </a:spcBef>
-              <a:buFont typeface="Arial" panose="02080604020202020204" charset="0"/>
-              <a:buChar char="–"/>
-              <a:defRPr sz="2000" kern="1200">
-                <a:solidFill>
-                  <a:schemeClr val="tx1"/>
-                </a:solidFill>
-                <a:latin typeface="+mn-lt"/>
-                <a:ea typeface="+mn-ea"/>
-                <a:cs typeface="+mn-cs"/>
-              </a:defRPr>
-            </a:lvl4pPr>
-            <a:lvl5pPr marL="2057400" indent="-228600" algn="l" defTabSz="914400" rtl="0" eaLnBrk="1" latinLnBrk="0" hangingPunct="1">
-              <a:spcBef>
-                <a:spcPct val="20000"/>
-              </a:spcBef>
-              <a:buFont typeface="Arial" panose="02080604020202020204" charset="0"/>
-              <a:buChar char="»"/>
-              <a:defRPr sz="2000" kern="1200">
-                <a:solidFill>
-                  <a:schemeClr val="tx1"/>
-                </a:solidFill>
-                <a:latin typeface="+mn-lt"/>
-                <a:ea typeface="+mn-ea"/>
-                <a:cs typeface="+mn-cs"/>
-              </a:defRPr>
-            </a:lvl5pPr>
-            <a:lvl6pPr marL="2514600" indent="-228600" algn="l" defTabSz="914400" rtl="0" eaLnBrk="1" latinLnBrk="0" hangingPunct="1">
-              <a:spcBef>
-                <a:spcPct val="20000"/>
-              </a:spcBef>
-              <a:buFont typeface="Arial" panose="02080604020202020204" charset="0"/>
-              <a:buChar char="•"/>
-              <a:defRPr sz="2000" kern="1200">
-                <a:solidFill>
-                  <a:schemeClr val="tx1"/>
-                </a:solidFill>
-                <a:latin typeface="+mn-lt"/>
-                <a:ea typeface="+mn-ea"/>
-                <a:cs typeface="+mn-cs"/>
-              </a:defRPr>
-            </a:lvl6pPr>
-            <a:lvl7pPr marL="2971800" indent="-228600" algn="l" defTabSz="914400" rtl="0" eaLnBrk="1" latinLnBrk="0" hangingPunct="1">
-              <a:spcBef>
-                <a:spcPct val="20000"/>
-              </a:spcBef>
-              <a:buFont typeface="Arial" panose="02080604020202020204" charset="0"/>
-              <a:buChar char="•"/>
-              <a:defRPr sz="2000" kern="1200">
-                <a:solidFill>
-                  <a:schemeClr val="tx1"/>
-                </a:solidFill>
-                <a:latin typeface="+mn-lt"/>
-                <a:ea typeface="+mn-ea"/>
-                <a:cs typeface="+mn-cs"/>
-              </a:defRPr>
-            </a:lvl7pPr>
-            <a:lvl8pPr marL="3429000" indent="-228600" algn="l" defTabSz="914400" rtl="0" eaLnBrk="1" latinLnBrk="0" hangingPunct="1">
-              <a:spcBef>
-                <a:spcPct val="20000"/>
-              </a:spcBef>
-              <a:buFont typeface="Arial" panose="02080604020202020204" charset="0"/>
-              <a:buChar char="•"/>
-              <a:defRPr sz="2000" kern="1200">
-                <a:solidFill>
-                  <a:schemeClr val="tx1"/>
-                </a:solidFill>
-                <a:latin typeface="+mn-lt"/>
-                <a:ea typeface="+mn-ea"/>
-                <a:cs typeface="+mn-cs"/>
-              </a:defRPr>
-            </a:lvl8pPr>
-            <a:lvl9pPr marL="3886200" indent="-228600" algn="l" defTabSz="914400" rtl="0" eaLnBrk="1" latinLnBrk="0" hangingPunct="1">
-              <a:spcBef>
-                <a:spcPct val="20000"/>
-              </a:spcBef>
-              <a:buFont typeface="Arial" panose="02080604020202020204" charset="0"/>
-              <a:buChar char="•"/>
-              <a:defRPr sz="2000" kern="1200">
-                <a:solidFill>
-                  <a:schemeClr val="tx1"/>
-                </a:solidFill>
-                <a:latin typeface="+mn-lt"/>
-                <a:ea typeface="+mn-ea"/>
-                <a:cs typeface="+mn-cs"/>
-              </a:defRPr>
-            </a:lvl9pPr>
-          </a:lstStyle>
-          <a:p>
-            <a:pPr marL="0" indent="0">
-              <a:buNone/>
-            </a:pPr>
-            <a:r>
-              <a:rPr lang="x-none" altLang="ru-RU" sz="1800" dirty="0">
-                <a:sym typeface="+mn-ea"/>
-              </a:rPr>
-              <a:t>Оценки</a:t>
-            </a:r>
-            <a:endParaRPr lang="x-none" altLang="ru-RU" sz="1800" dirty="0">
-              <a:sym typeface="+mn-ea"/>
-            </a:endParaRPr>
-          </a:p>
-          <a:p>
-            <a:pPr marL="742950" lvl="1" indent="-285750"/>
-            <a:r>
-              <a:rPr lang="x-none" sz="1575"/>
-              <a:t>Id</a:t>
-            </a:r>
-            <a:endParaRPr lang="x-none" sz="1575"/>
-          </a:p>
-          <a:p>
-            <a:pPr marL="742950" lvl="1" indent="-285750"/>
-            <a:r>
-              <a:rPr lang="x-none" sz="1575"/>
-              <a:t>Mark</a:t>
-            </a:r>
-            <a:endParaRPr lang="x-none" sz="1575"/>
-          </a:p>
-          <a:p>
-            <a:pPr marL="742950" lvl="1" indent="-285750"/>
-            <a:r>
-              <a:rPr lang="x-none" sz="1575"/>
-              <a:t>Id студента</a:t>
-            </a:r>
-            <a:endParaRPr lang="x-none" sz="1575"/>
-          </a:p>
-          <a:p>
-            <a:pPr marL="742950" lvl="1" indent="-285750"/>
-            <a:r>
-              <a:rPr lang="x-none" sz="1575"/>
-              <a:t>Id экзамена</a:t>
-            </a:r>
-            <a:endParaRPr lang="x-none" sz="1575"/>
-          </a:p>
-          <a:p>
-            <a:pPr marL="0" indent="0">
-              <a:buNone/>
-            </a:pPr>
-            <a:endParaRPr lang="x-none" sz="1800"/>
-          </a:p>
-          <a:p>
-            <a:pPr marL="0" indent="0">
-              <a:buNone/>
-            </a:pPr>
-            <a:r>
-              <a:rPr lang="x-none" sz="1800"/>
-              <a:t>Экзамены</a:t>
-            </a:r>
-            <a:endParaRPr lang="x-none" sz="1800"/>
-          </a:p>
-          <a:p>
-            <a:pPr marL="742950" lvl="1" indent="-285750"/>
-            <a:r>
-              <a:rPr lang="x-none" sz="1575"/>
-              <a:t>Id</a:t>
-            </a:r>
-            <a:endParaRPr lang="x-none" sz="1575"/>
-          </a:p>
-          <a:p>
-            <a:pPr marL="742950" lvl="1" indent="-285750"/>
-            <a:r>
-              <a:rPr lang="x-none" sz="1575"/>
-              <a:t>Id группы</a:t>
-            </a:r>
-            <a:endParaRPr lang="x-none" sz="1575"/>
-          </a:p>
-          <a:p>
-            <a:pPr marL="742950" lvl="1" indent="-285750"/>
-            <a:r>
-              <a:rPr lang="x-none" sz="1575"/>
-              <a:t>Id предмета</a:t>
-            </a:r>
-            <a:endParaRPr lang="x-none" sz="1575"/>
-          </a:p>
-          <a:p>
-            <a:pPr marL="0" indent="0">
-              <a:buNone/>
-            </a:pPr>
-            <a:endParaRPr lang="x-none" sz="1575"/>
-          </a:p>
-          <a:p>
-            <a:pPr marL="285750" indent="-285750"/>
-            <a:endParaRPr lang="x-none" sz="1800"/>
-          </a:p>
-        </p:txBody>
-      </p:sp>
     </p:spTree>
+    <p:extLst>
+      <p:ext uri="{BB962C8B-B14F-4D97-AF65-F5344CB8AC3E}">
+        <p14:creationId xmlns:p14="http://schemas.microsoft.com/office/powerpoint/2010/main" val="1961011387"/>
+      </p:ext>
+    </p:extLst>
   </p:cSld>
   <p:clrMapOvr>
     <a:masterClrMapping/>
@@ -3364,12 +3161,286 @@
       </p:grpSpPr>
       <p:sp>
         <p:nvSpPr>
-          <p:cNvPr id="2" name="Подзаголовок 1"/>
+          <p:cNvPr id="2" name="Заголовок 1">
+            <a:extLst>
+              <a:ext uri="{FF2B5EF4-FFF2-40B4-BE49-F238E27FC236}">
+                <a16:creationId xmlns:a16="http://schemas.microsoft.com/office/drawing/2014/main" id="{5DA6FED3-812B-46B3-8AD9-D180F0EC3209}"/>
+              </a:ext>
+            </a:extLst>
+          </p:cNvPr>
           <p:cNvSpPr>
             <a:spLocks noGrp="1"/>
           </p:cNvSpPr>
           <p:nvPr>
-            <p:ph type="subTitle" idx="1"/>
+            <p:ph type="title"/>
+          </p:nvPr>
+        </p:nvSpPr>
+        <p:spPr/>
+        <p:txBody>
+          <a:bodyPr>
+            <a:normAutofit fontScale="90000"/>
+          </a:bodyPr>
+          <a:lstStyle/>
+          <a:p>
+            <a:r>
+              <a:rPr lang="en-US" dirty="0"/>
+              <a:t>INSERT, UPDATE, DELETE</a:t>
+            </a:r>
+            <a:endParaRPr lang="ru-RU" dirty="0"/>
+          </a:p>
+        </p:txBody>
+      </p:sp>
+      <p:sp>
+        <p:nvSpPr>
+          <p:cNvPr id="3" name="Объект 2">
+            <a:extLst>
+              <a:ext uri="{FF2B5EF4-FFF2-40B4-BE49-F238E27FC236}">
+                <a16:creationId xmlns:a16="http://schemas.microsoft.com/office/drawing/2014/main" id="{E3B648A9-051B-42BB-85FF-0C5800287EF5}"/>
+              </a:ext>
+            </a:extLst>
+          </p:cNvPr>
+          <p:cNvSpPr>
+            <a:spLocks noGrp="1"/>
+          </p:cNvSpPr>
+          <p:nvPr>
+            <p:ph idx="1"/>
+          </p:nvPr>
+        </p:nvSpPr>
+        <p:spPr>
+          <a:xfrm>
+            <a:off x="467544" y="1268760"/>
+            <a:ext cx="8229600" cy="4525963"/>
+          </a:xfrm>
+        </p:spPr>
+        <p:txBody>
+          <a:bodyPr>
+            <a:normAutofit/>
+          </a:bodyPr>
+          <a:lstStyle/>
+          <a:p>
+            <a:pPr marL="0" indent="0">
+              <a:buNone/>
+            </a:pPr>
+            <a:r>
+              <a:rPr lang="en-US" sz="2400" dirty="0">
+                <a:solidFill>
+                  <a:srgbClr val="A02A1D"/>
+                </a:solidFill>
+              </a:rPr>
+              <a:t>INSERT INTO </a:t>
+            </a:r>
+            <a:r>
+              <a:rPr lang="en-US" sz="2400" dirty="0"/>
+              <a:t>&lt;</a:t>
+            </a:r>
+            <a:r>
+              <a:rPr lang="en-US" sz="2400" dirty="0" err="1"/>
+              <a:t>table_name</a:t>
+            </a:r>
+            <a:r>
+              <a:rPr lang="en-US" sz="2400" dirty="0"/>
+              <a:t>&gt; (&lt;</a:t>
+            </a:r>
+            <a:r>
+              <a:rPr lang="en-US" sz="2400" dirty="0" err="1"/>
+              <a:t>custom_column_list</a:t>
+            </a:r>
+            <a:r>
+              <a:rPr lang="en-US" sz="2400" dirty="0"/>
+              <a:t>&gt;) </a:t>
+            </a:r>
+            <a:r>
+              <a:rPr lang="en-US" sz="2400" dirty="0">
+                <a:solidFill>
+                  <a:srgbClr val="A02A1D"/>
+                </a:solidFill>
+              </a:rPr>
+              <a:t>VALUES</a:t>
+            </a:r>
+            <a:r>
+              <a:rPr lang="en-US" sz="2400" dirty="0"/>
+              <a:t> (&lt;</a:t>
+            </a:r>
+            <a:r>
+              <a:rPr lang="en-US" sz="2400" dirty="0" err="1"/>
+              <a:t>values_list</a:t>
+            </a:r>
+            <a:r>
+              <a:rPr lang="en-US" sz="2400" dirty="0"/>
+              <a:t>&gt;);</a:t>
+            </a:r>
+          </a:p>
+          <a:p>
+            <a:pPr marL="0" indent="0">
+              <a:buNone/>
+            </a:pPr>
+            <a:endParaRPr lang="en-US" sz="2400" dirty="0"/>
+          </a:p>
+          <a:p>
+            <a:pPr marL="0" indent="0">
+              <a:buNone/>
+            </a:pPr>
+            <a:r>
+              <a:rPr lang="en-US" sz="2400" dirty="0">
+                <a:solidFill>
+                  <a:srgbClr val="A02A1D"/>
+                </a:solidFill>
+              </a:rPr>
+              <a:t>UPDATE </a:t>
+            </a:r>
+            <a:r>
+              <a:rPr lang="en-US" sz="2400" dirty="0"/>
+              <a:t>&lt;</a:t>
+            </a:r>
+            <a:r>
+              <a:rPr lang="en-US" sz="2400" dirty="0" err="1"/>
+              <a:t>table_name</a:t>
+            </a:r>
+            <a:r>
+              <a:rPr lang="en-US" sz="2400" dirty="0"/>
+              <a:t>&gt;</a:t>
+            </a:r>
+            <a:r>
+              <a:rPr lang="en-US" sz="2400" dirty="0">
+                <a:solidFill>
+                  <a:srgbClr val="A02A1D"/>
+                </a:solidFill>
+              </a:rPr>
+              <a:t> SET </a:t>
+            </a:r>
+          </a:p>
+          <a:p>
+            <a:pPr marL="0" indent="0">
+              <a:buNone/>
+            </a:pPr>
+            <a:r>
+              <a:rPr lang="en-US" sz="2400" dirty="0"/>
+              <a:t>{ </a:t>
+            </a:r>
+            <a:r>
+              <a:rPr lang="en-US" sz="2400" dirty="0" err="1"/>
+              <a:t>column_name</a:t>
+            </a:r>
+            <a:r>
+              <a:rPr lang="en-US" sz="2400" dirty="0"/>
+              <a:t> = { expression | DEFAULT }</a:t>
+            </a:r>
+          </a:p>
+          <a:p>
+            <a:pPr marL="0" indent="0">
+              <a:buNone/>
+            </a:pPr>
+            <a:r>
+              <a:rPr lang="en-US" sz="2400" dirty="0"/>
+              <a:t>( </a:t>
+            </a:r>
+            <a:r>
+              <a:rPr lang="en-US" sz="2400" dirty="0" err="1"/>
+              <a:t>column_name</a:t>
+            </a:r>
+            <a:r>
+              <a:rPr lang="en-US" sz="2400" dirty="0"/>
+              <a:t> [, ...] ) = ( { expression | DEFAULT } [, ...]  </a:t>
+            </a:r>
+          </a:p>
+          <a:p>
+            <a:pPr marL="0" indent="0">
+              <a:buNone/>
+            </a:pPr>
+            <a:r>
+              <a:rPr lang="en-US" sz="2400" dirty="0"/>
+              <a:t>			… = …</a:t>
+            </a:r>
+          </a:p>
+          <a:p>
+            <a:pPr marL="0" indent="0">
+              <a:buNone/>
+            </a:pPr>
+            <a:r>
+              <a:rPr lang="en-US" sz="2400" dirty="0"/>
+              <a:t>			</a:t>
+            </a:r>
+            <a:r>
+              <a:rPr lang="en-US" sz="2400" dirty="0" err="1"/>
+              <a:t>fieldN</a:t>
+            </a:r>
+            <a:r>
+              <a:rPr lang="en-US" sz="2400" dirty="0"/>
+              <a:t> = ( sub-SELECT )}</a:t>
+            </a:r>
+          </a:p>
+          <a:p>
+            <a:pPr marL="0" indent="0">
+              <a:buNone/>
+            </a:pPr>
+            <a:endParaRPr lang="en-US" sz="2400" dirty="0"/>
+          </a:p>
+          <a:p>
+            <a:pPr marL="0" indent="0">
+              <a:buNone/>
+            </a:pPr>
+            <a:r>
+              <a:rPr lang="en-US" sz="2400" dirty="0">
+                <a:solidFill>
+                  <a:srgbClr val="A02A1D"/>
+                </a:solidFill>
+              </a:rPr>
+              <a:t>DELETE</a:t>
+            </a:r>
+            <a:r>
+              <a:rPr lang="en-US" sz="2400" dirty="0"/>
+              <a:t> </a:t>
+            </a:r>
+            <a:r>
+              <a:rPr lang="en-US" sz="2400" dirty="0">
+                <a:solidFill>
+                  <a:srgbClr val="A02A1D"/>
+                </a:solidFill>
+              </a:rPr>
+              <a:t>FROM </a:t>
+            </a:r>
+            <a:r>
+              <a:rPr lang="en-US" sz="2400" dirty="0"/>
+              <a:t>&lt;</a:t>
+            </a:r>
+            <a:r>
+              <a:rPr lang="en-US" sz="2400" dirty="0" err="1"/>
+              <a:t>table_name</a:t>
+            </a:r>
+            <a:r>
+              <a:rPr lang="en-US" sz="2400" dirty="0"/>
+              <a:t>&gt; </a:t>
+            </a:r>
+            <a:r>
+              <a:rPr lang="en-US" sz="2400" dirty="0">
+                <a:solidFill>
+                  <a:srgbClr val="A02A1D"/>
+                </a:solidFill>
+              </a:rPr>
+              <a:t>WHERE </a:t>
+            </a:r>
+            <a:r>
+              <a:rPr lang="en-US" sz="2400" dirty="0"/>
+              <a:t>&lt;condition&gt;;</a:t>
+            </a:r>
+            <a:endParaRPr lang="ru-RU" sz="2400" dirty="0"/>
+          </a:p>
+        </p:txBody>
+      </p:sp>
+      <p:sp>
+        <p:nvSpPr>
+          <p:cNvPr id="4" name="Номер слайда 3">
+            <a:extLst>
+              <a:ext uri="{FF2B5EF4-FFF2-40B4-BE49-F238E27FC236}">
+                <a16:creationId xmlns:a16="http://schemas.microsoft.com/office/drawing/2014/main" id="{B1EC3190-E839-4EB3-8CED-055EDEDDF369}"/>
+              </a:ext>
+            </a:extLst>
+          </p:cNvPr>
+          <p:cNvSpPr>
+            <a:spLocks noGrp="1"/>
+          </p:cNvSpPr>
+          <p:nvPr>
+            <p:ph type="sldNum" sz="quarter" idx="12"/>
           </p:nvPr>
         </p:nvSpPr>
         <p:spPr/>
@@ -3377,10 +3448,1400 @@
           <a:bodyPr/>
           <a:lstStyle/>
           <a:p>
-            <a:r>
-              <a:rPr lang="x-none" altLang="ru-RU" sz="4800"/>
-              <a:t>Спасибо за внимание!</a:t>
-            </a:r>
+            <a:fld id="{33067CA6-2D92-4602-87FB-B81B94BA46B2}" type="slidenum">
+              <a:rPr lang="ru-RU" smtClean="0"/>
+              <a:t>6</a:t>
+            </a:fld>
+            <a:endParaRPr lang="ru-RU" dirty="0"/>
+          </a:p>
+        </p:txBody>
+      </p:sp>
+    </p:spTree>
+    <p:extLst>
+      <p:ext uri="{BB962C8B-B14F-4D97-AF65-F5344CB8AC3E}">
+        <p14:creationId xmlns:p14="http://schemas.microsoft.com/office/powerpoint/2010/main" val="4154144167"/>
+      </p:ext>
+    </p:extLst>
+  </p:cSld>
+  <p:clrMapOvr>
+    <a:masterClrMapping/>
+  </p:clrMapOvr>
+</p:sld>
+</file>
+
+<file path=ppt/slides/slide7.xml><?xml version="1.0" encoding="utf-8"?>
+<p:sld xmlns:a="http://schemas.openxmlformats.org/drawingml/2006/main" xmlns:r="http://schemas.openxmlformats.org/officeDocument/2006/relationships" xmlns:p="http://schemas.openxmlformats.org/presentationml/2006/main">
+  <p:cSld>
+    <p:spTree>
+      <p:nvGrpSpPr>
+        <p:cNvPr id="1" name=""/>
+        <p:cNvGrpSpPr/>
+        <p:nvPr/>
+      </p:nvGrpSpPr>
+      <p:grpSpPr>
+        <a:xfrm>
+          <a:off x="0" y="0"/>
+          <a:ext cx="0" cy="0"/>
+          <a:chOff x="0" y="0"/>
+          <a:chExt cx="0" cy="0"/>
+        </a:xfrm>
+      </p:grpSpPr>
+      <p:sp>
+        <p:nvSpPr>
+          <p:cNvPr id="2" name="Заголовок 1">
+            <a:extLst>
+              <a:ext uri="{FF2B5EF4-FFF2-40B4-BE49-F238E27FC236}">
+                <a16:creationId xmlns:a16="http://schemas.microsoft.com/office/drawing/2014/main" id="{5DA6FED3-812B-46B3-8AD9-D180F0EC3209}"/>
+              </a:ext>
+            </a:extLst>
+          </p:cNvPr>
+          <p:cNvSpPr>
+            <a:spLocks noGrp="1"/>
+          </p:cNvSpPr>
+          <p:nvPr>
+            <p:ph type="title"/>
+          </p:nvPr>
+        </p:nvSpPr>
+        <p:spPr/>
+        <p:txBody>
+          <a:bodyPr>
+            <a:normAutofit fontScale="90000"/>
+          </a:bodyPr>
+          <a:lstStyle/>
+          <a:p>
+            <a:r>
+              <a:rPr lang="ru-RU" dirty="0"/>
+              <a:t>Изменение структуры таблицы</a:t>
+            </a:r>
+          </a:p>
+        </p:txBody>
+      </p:sp>
+      <p:sp>
+        <p:nvSpPr>
+          <p:cNvPr id="3" name="Объект 2">
+            <a:extLst>
+              <a:ext uri="{FF2B5EF4-FFF2-40B4-BE49-F238E27FC236}">
+                <a16:creationId xmlns:a16="http://schemas.microsoft.com/office/drawing/2014/main" id="{E3B648A9-051B-42BB-85FF-0C5800287EF5}"/>
+              </a:ext>
+            </a:extLst>
+          </p:cNvPr>
+          <p:cNvSpPr>
+            <a:spLocks noGrp="1"/>
+          </p:cNvSpPr>
+          <p:nvPr>
+            <p:ph idx="1"/>
+          </p:nvPr>
+        </p:nvSpPr>
+        <p:spPr>
+          <a:xfrm>
+            <a:off x="467544" y="1268760"/>
+            <a:ext cx="8229600" cy="4525963"/>
+          </a:xfrm>
+        </p:spPr>
+        <p:txBody>
+          <a:bodyPr>
+            <a:normAutofit fontScale="77500" lnSpcReduction="20000"/>
+          </a:bodyPr>
+          <a:lstStyle/>
+          <a:p>
+            <a:pPr marL="0" indent="0">
+              <a:buNone/>
+            </a:pPr>
+            <a:r>
+              <a:rPr lang="en-US" dirty="0">
+                <a:solidFill>
+                  <a:srgbClr val="A02A1D"/>
+                </a:solidFill>
+              </a:rPr>
+              <a:t>ALTER TABLE </a:t>
+            </a:r>
+            <a:r>
+              <a:rPr lang="en-US" dirty="0"/>
+              <a:t>[ </a:t>
+            </a:r>
+            <a:r>
+              <a:rPr lang="en-US" dirty="0">
+                <a:solidFill>
+                  <a:srgbClr val="A02A1D"/>
+                </a:solidFill>
+              </a:rPr>
+              <a:t>IF EXISTS </a:t>
+            </a:r>
+            <a:r>
+              <a:rPr lang="en-US" dirty="0"/>
+              <a:t>] [ </a:t>
+            </a:r>
+            <a:r>
+              <a:rPr lang="en-US" dirty="0">
+                <a:solidFill>
+                  <a:srgbClr val="A02A1D"/>
+                </a:solidFill>
+              </a:rPr>
+              <a:t>ONLY</a:t>
+            </a:r>
+            <a:r>
+              <a:rPr lang="en-US" dirty="0"/>
+              <a:t> ] </a:t>
+            </a:r>
+            <a:r>
+              <a:rPr lang="ru-RU" dirty="0"/>
+              <a:t>имя [ * ]</a:t>
+            </a:r>
+            <a:r>
+              <a:rPr lang="en-US" dirty="0"/>
+              <a:t> </a:t>
+            </a:r>
+            <a:r>
+              <a:rPr lang="ru-RU" dirty="0"/>
+              <a:t>действие [, ... ]</a:t>
+            </a:r>
+          </a:p>
+          <a:p>
+            <a:pPr marL="0" indent="0">
+              <a:buNone/>
+            </a:pPr>
+            <a:r>
+              <a:rPr lang="en-US" dirty="0">
+                <a:solidFill>
+                  <a:srgbClr val="A02A1D"/>
+                </a:solidFill>
+              </a:rPr>
+              <a:t>ALTER TABLE </a:t>
+            </a:r>
+            <a:r>
+              <a:rPr lang="en-US" dirty="0"/>
+              <a:t>[ </a:t>
+            </a:r>
+            <a:r>
+              <a:rPr lang="en-US" dirty="0">
+                <a:solidFill>
+                  <a:srgbClr val="A02A1D"/>
+                </a:solidFill>
+              </a:rPr>
+              <a:t>IF EXISTS </a:t>
+            </a:r>
+            <a:r>
+              <a:rPr lang="en-US" dirty="0"/>
+              <a:t>] [ </a:t>
+            </a:r>
+            <a:r>
+              <a:rPr lang="en-US" dirty="0">
+                <a:solidFill>
+                  <a:srgbClr val="A02A1D"/>
+                </a:solidFill>
+              </a:rPr>
+              <a:t>ONLY</a:t>
+            </a:r>
+            <a:r>
+              <a:rPr lang="en-US" dirty="0"/>
+              <a:t> ] </a:t>
+            </a:r>
+            <a:r>
+              <a:rPr lang="ru-RU" dirty="0"/>
+              <a:t>имя [ * ]</a:t>
+            </a:r>
+          </a:p>
+          <a:p>
+            <a:pPr marL="0" indent="0">
+              <a:buNone/>
+            </a:pPr>
+            <a:r>
+              <a:rPr lang="ru-RU" dirty="0"/>
+              <a:t>    </a:t>
+            </a:r>
+            <a:r>
+              <a:rPr lang="en-US" dirty="0">
+                <a:solidFill>
+                  <a:srgbClr val="A02A1D"/>
+                </a:solidFill>
+              </a:rPr>
+              <a:t>RENAME</a:t>
+            </a:r>
+            <a:r>
+              <a:rPr lang="en-US" dirty="0"/>
+              <a:t> [ </a:t>
+            </a:r>
+            <a:r>
+              <a:rPr lang="en-US" dirty="0">
+                <a:solidFill>
+                  <a:srgbClr val="A02A1D"/>
+                </a:solidFill>
+              </a:rPr>
+              <a:t>COLUMN</a:t>
+            </a:r>
+            <a:r>
+              <a:rPr lang="en-US" dirty="0"/>
+              <a:t> ] </a:t>
+            </a:r>
+            <a:r>
+              <a:rPr lang="ru-RU" dirty="0" err="1"/>
+              <a:t>имя_столбца</a:t>
+            </a:r>
+            <a:r>
+              <a:rPr lang="ru-RU" dirty="0"/>
+              <a:t> </a:t>
+            </a:r>
+            <a:r>
+              <a:rPr lang="en-US" dirty="0">
+                <a:solidFill>
+                  <a:srgbClr val="A02A1D"/>
+                </a:solidFill>
+              </a:rPr>
+              <a:t>TO</a:t>
+            </a:r>
+          </a:p>
+          <a:p>
+            <a:pPr marL="0" indent="0">
+              <a:buNone/>
+            </a:pPr>
+            <a:r>
+              <a:rPr lang="ru-RU"/>
+              <a:t>    новое</a:t>
+            </a:r>
+            <a:r>
+              <a:rPr lang="ru-RU" dirty="0" err="1"/>
+              <a:t>_имя_столбца</a:t>
+            </a:r>
+            <a:endParaRPr lang="ru-RU" dirty="0"/>
+          </a:p>
+          <a:p>
+            <a:pPr marL="0" indent="0">
+              <a:buNone/>
+            </a:pPr>
+            <a:r>
+              <a:rPr lang="en-US" dirty="0">
+                <a:solidFill>
+                  <a:srgbClr val="A02A1D"/>
+                </a:solidFill>
+              </a:rPr>
+              <a:t>ALTER TABLE </a:t>
+            </a:r>
+            <a:r>
+              <a:rPr lang="en-US" dirty="0"/>
+              <a:t>[ </a:t>
+            </a:r>
+            <a:r>
+              <a:rPr lang="en-US" dirty="0">
+                <a:solidFill>
+                  <a:srgbClr val="A02A1D"/>
+                </a:solidFill>
+              </a:rPr>
+              <a:t>IF EXISTS </a:t>
+            </a:r>
+            <a:r>
+              <a:rPr lang="en-US" dirty="0"/>
+              <a:t>] [ </a:t>
+            </a:r>
+            <a:r>
+              <a:rPr lang="en-US" dirty="0">
+                <a:solidFill>
+                  <a:srgbClr val="A02A1D"/>
+                </a:solidFill>
+              </a:rPr>
+              <a:t>ONLY</a:t>
+            </a:r>
+            <a:r>
+              <a:rPr lang="en-US" dirty="0"/>
+              <a:t> ] </a:t>
+            </a:r>
+            <a:r>
+              <a:rPr lang="ru-RU" dirty="0"/>
+              <a:t>имя [ * ]</a:t>
+            </a:r>
+          </a:p>
+          <a:p>
+            <a:pPr marL="0" indent="0">
+              <a:buNone/>
+            </a:pPr>
+            <a:r>
+              <a:rPr lang="ru-RU" dirty="0"/>
+              <a:t>    </a:t>
+            </a:r>
+            <a:r>
+              <a:rPr lang="en-US" dirty="0">
+                <a:solidFill>
+                  <a:srgbClr val="A02A1D"/>
+                </a:solidFill>
+              </a:rPr>
+              <a:t>RENAME CONSTRAINT </a:t>
+            </a:r>
+            <a:r>
+              <a:rPr lang="ru-RU" dirty="0" err="1"/>
+              <a:t>имя_ограничения</a:t>
+            </a:r>
+            <a:r>
+              <a:rPr lang="ru-RU" dirty="0"/>
+              <a:t> </a:t>
+            </a:r>
+            <a:r>
+              <a:rPr lang="en-US" dirty="0">
+                <a:solidFill>
+                  <a:srgbClr val="A02A1D"/>
+                </a:solidFill>
+              </a:rPr>
+              <a:t>TO</a:t>
+            </a:r>
+          </a:p>
+          <a:p>
+            <a:pPr marL="0" indent="0">
+              <a:buNone/>
+            </a:pPr>
+            <a:r>
+              <a:rPr lang="ru-RU" dirty="0"/>
+              <a:t> </a:t>
+            </a:r>
+            <a:r>
+              <a:rPr lang="en-US" dirty="0">
+                <a:solidFill>
+                  <a:srgbClr val="A02A1D"/>
+                </a:solidFill>
+              </a:rPr>
+              <a:t>   </a:t>
+            </a:r>
+            <a:r>
+              <a:rPr lang="ru-RU" dirty="0" err="1"/>
+              <a:t>имя_нового_ограничения</a:t>
+            </a:r>
+            <a:endParaRPr lang="ru-RU" dirty="0"/>
+          </a:p>
+          <a:p>
+            <a:pPr marL="0" indent="0">
+              <a:buNone/>
+            </a:pPr>
+            <a:r>
+              <a:rPr lang="en-US" dirty="0">
+                <a:solidFill>
+                  <a:srgbClr val="A02A1D"/>
+                </a:solidFill>
+              </a:rPr>
+              <a:t>ALTER TABLE </a:t>
+            </a:r>
+            <a:r>
+              <a:rPr lang="en-US" dirty="0"/>
+              <a:t>[ </a:t>
+            </a:r>
+            <a:r>
+              <a:rPr lang="en-US" dirty="0">
+                <a:solidFill>
+                  <a:srgbClr val="A02A1D"/>
+                </a:solidFill>
+              </a:rPr>
+              <a:t>IF EXISTS </a:t>
+            </a:r>
+            <a:r>
+              <a:rPr lang="en-US" dirty="0"/>
+              <a:t>] </a:t>
+            </a:r>
+            <a:r>
+              <a:rPr lang="ru-RU" dirty="0"/>
+              <a:t>имя</a:t>
+            </a:r>
+            <a:r>
+              <a:rPr lang="en-US" dirty="0"/>
+              <a:t> </a:t>
+            </a:r>
+            <a:r>
+              <a:rPr lang="en-US" dirty="0">
+                <a:solidFill>
+                  <a:srgbClr val="A02A1D"/>
+                </a:solidFill>
+              </a:rPr>
+              <a:t>RENAME TO </a:t>
+            </a:r>
+            <a:r>
+              <a:rPr lang="ru-RU" dirty="0" err="1"/>
+              <a:t>новое_имя</a:t>
+            </a:r>
+            <a:endParaRPr lang="ru-RU" dirty="0"/>
+          </a:p>
+          <a:p>
+            <a:pPr marL="0" indent="0">
+              <a:buNone/>
+            </a:pPr>
+            <a:r>
+              <a:rPr lang="en-US" dirty="0">
+                <a:solidFill>
+                  <a:srgbClr val="A02A1D"/>
+                </a:solidFill>
+              </a:rPr>
+              <a:t>ALTER TABLE </a:t>
+            </a:r>
+            <a:r>
+              <a:rPr lang="en-US" dirty="0"/>
+              <a:t>[ </a:t>
+            </a:r>
+            <a:r>
+              <a:rPr lang="en-US" dirty="0">
+                <a:solidFill>
+                  <a:srgbClr val="A02A1D"/>
+                </a:solidFill>
+              </a:rPr>
+              <a:t>IF EXISTS </a:t>
+            </a:r>
+            <a:r>
+              <a:rPr lang="en-US" dirty="0"/>
+              <a:t>] </a:t>
+            </a:r>
+            <a:r>
+              <a:rPr lang="ru-RU" dirty="0"/>
+              <a:t>имя</a:t>
+            </a:r>
+            <a:r>
+              <a:rPr lang="en-US" dirty="0"/>
+              <a:t> </a:t>
+            </a:r>
+            <a:r>
+              <a:rPr lang="en-US" dirty="0">
+                <a:solidFill>
+                  <a:srgbClr val="A02A1D"/>
+                </a:solidFill>
+              </a:rPr>
+              <a:t>SET SCHEMA</a:t>
+            </a:r>
+            <a:r>
+              <a:rPr lang="en-US" dirty="0"/>
+              <a:t> </a:t>
+            </a:r>
+            <a:r>
+              <a:rPr lang="ru-RU" dirty="0" err="1"/>
+              <a:t>новая_схема</a:t>
+            </a:r>
+            <a:endParaRPr lang="ru-RU" dirty="0"/>
+          </a:p>
+          <a:p>
+            <a:pPr marL="0" indent="0">
+              <a:buNone/>
+            </a:pPr>
+            <a:r>
+              <a:rPr lang="en-US" dirty="0">
+                <a:solidFill>
+                  <a:srgbClr val="A02A1D"/>
+                </a:solidFill>
+              </a:rPr>
+              <a:t>ALTER TABLE ALL IN TABLESPACE </a:t>
+            </a:r>
+            <a:r>
+              <a:rPr lang="ru-RU" dirty="0"/>
+              <a:t>имя [ </a:t>
+            </a:r>
+            <a:r>
+              <a:rPr lang="en-US" dirty="0">
+                <a:solidFill>
+                  <a:srgbClr val="A02A1D"/>
+                </a:solidFill>
+              </a:rPr>
+              <a:t>OWNED BY </a:t>
+            </a:r>
+            <a:r>
+              <a:rPr lang="ru-RU" dirty="0" err="1"/>
+              <a:t>имя_роли</a:t>
+            </a:r>
+            <a:r>
+              <a:rPr lang="ru-RU" dirty="0"/>
+              <a:t> [, ... ] ]</a:t>
+            </a:r>
+          </a:p>
+          <a:p>
+            <a:pPr marL="0" indent="0">
+              <a:buNone/>
+            </a:pPr>
+            <a:r>
+              <a:rPr lang="ru-RU" dirty="0"/>
+              <a:t>    </a:t>
+            </a:r>
+            <a:r>
+              <a:rPr lang="en-US" dirty="0">
+                <a:solidFill>
+                  <a:srgbClr val="A02A1D"/>
+                </a:solidFill>
+              </a:rPr>
+              <a:t>SET TABLESPACE </a:t>
+            </a:r>
+            <a:r>
+              <a:rPr lang="ru-RU" dirty="0" err="1"/>
+              <a:t>новое_табл_пространство</a:t>
+            </a:r>
+            <a:r>
+              <a:rPr lang="ru-RU" dirty="0"/>
+              <a:t> [ </a:t>
+            </a:r>
+            <a:r>
+              <a:rPr lang="en-US" dirty="0">
+                <a:solidFill>
+                  <a:srgbClr val="A02A1D"/>
+                </a:solidFill>
+              </a:rPr>
+              <a:t>NOWAIT</a:t>
+            </a:r>
+            <a:r>
+              <a:rPr lang="en-US" dirty="0"/>
+              <a:t> ]</a:t>
+            </a:r>
+            <a:endParaRPr lang="ru-RU" dirty="0"/>
+          </a:p>
+        </p:txBody>
+      </p:sp>
+      <p:sp>
+        <p:nvSpPr>
+          <p:cNvPr id="4" name="Номер слайда 3">
+            <a:extLst>
+              <a:ext uri="{FF2B5EF4-FFF2-40B4-BE49-F238E27FC236}">
+                <a16:creationId xmlns:a16="http://schemas.microsoft.com/office/drawing/2014/main" id="{B1EC3190-E839-4EB3-8CED-055EDEDDF369}"/>
+              </a:ext>
+            </a:extLst>
+          </p:cNvPr>
+          <p:cNvSpPr>
+            <a:spLocks noGrp="1"/>
+          </p:cNvSpPr>
+          <p:nvPr>
+            <p:ph type="sldNum" sz="quarter" idx="12"/>
+          </p:nvPr>
+        </p:nvSpPr>
+        <p:spPr/>
+        <p:txBody>
+          <a:bodyPr/>
+          <a:lstStyle/>
+          <a:p>
+            <a:fld id="{33067CA6-2D92-4602-87FB-B81B94BA46B2}" type="slidenum">
+              <a:rPr lang="ru-RU" smtClean="0"/>
+              <a:t>7</a:t>
+            </a:fld>
+            <a:endParaRPr lang="ru-RU" dirty="0"/>
+          </a:p>
+        </p:txBody>
+      </p:sp>
+    </p:spTree>
+    <p:extLst>
+      <p:ext uri="{BB962C8B-B14F-4D97-AF65-F5344CB8AC3E}">
+        <p14:creationId xmlns:p14="http://schemas.microsoft.com/office/powerpoint/2010/main" val="2460062650"/>
+      </p:ext>
+    </p:extLst>
+  </p:cSld>
+  <p:clrMapOvr>
+    <a:masterClrMapping/>
+  </p:clrMapOvr>
+</p:sld>
+</file>
+
+<file path=ppt/slides/slide8.xml><?xml version="1.0" encoding="utf-8"?>
+<p:sld xmlns:a="http://schemas.openxmlformats.org/drawingml/2006/main" xmlns:r="http://schemas.openxmlformats.org/officeDocument/2006/relationships" xmlns:p="http://schemas.openxmlformats.org/presentationml/2006/main">
+  <p:cSld>
+    <p:spTree>
+      <p:nvGrpSpPr>
+        <p:cNvPr id="1" name=""/>
+        <p:cNvGrpSpPr/>
+        <p:nvPr/>
+      </p:nvGrpSpPr>
+      <p:grpSpPr>
+        <a:xfrm>
+          <a:off x="0" y="0"/>
+          <a:ext cx="0" cy="0"/>
+          <a:chOff x="0" y="0"/>
+          <a:chExt cx="0" cy="0"/>
+        </a:xfrm>
+      </p:grpSpPr>
+      <p:sp>
+        <p:nvSpPr>
+          <p:cNvPr id="2" name="Заголовок 1"/>
+          <p:cNvSpPr>
+            <a:spLocks noGrp="1"/>
+          </p:cNvSpPr>
+          <p:nvPr>
+            <p:ph type="title"/>
+          </p:nvPr>
+        </p:nvSpPr>
+        <p:spPr/>
+        <p:txBody>
+          <a:bodyPr>
+            <a:normAutofit fontScale="90000"/>
+          </a:bodyPr>
+          <a:lstStyle/>
+          <a:p>
+            <a:r>
+              <a:rPr lang="x-none" altLang="ru-RU" dirty="0"/>
+              <a:t>Схема БД</a:t>
+            </a:r>
+          </a:p>
+        </p:txBody>
+      </p:sp>
+      <p:sp>
+        <p:nvSpPr>
+          <p:cNvPr id="4" name="Номер слайда 3"/>
+          <p:cNvSpPr>
+            <a:spLocks noGrp="1"/>
+          </p:cNvSpPr>
+          <p:nvPr>
+            <p:ph type="sldNum" sz="quarter" idx="12"/>
+          </p:nvPr>
+        </p:nvSpPr>
+        <p:spPr/>
+        <p:txBody>
+          <a:bodyPr/>
+          <a:lstStyle/>
+          <a:p>
+            <a:fld id="{33067CA6-2D92-4602-87FB-B81B94BA46B2}" type="slidenum">
+              <a:rPr lang="ru-RU" smtClean="0"/>
+              <a:t>8</a:t>
+            </a:fld>
+            <a:endParaRPr lang="ru-RU" dirty="0"/>
+          </a:p>
+        </p:txBody>
+      </p:sp>
+      <p:sp>
+        <p:nvSpPr>
+          <p:cNvPr id="6" name="Объект 2"/>
+          <p:cNvSpPr>
+            <a:spLocks noGrp="1"/>
+          </p:cNvSpPr>
+          <p:nvPr>
+            <p:ph idx="1"/>
+          </p:nvPr>
+        </p:nvSpPr>
+        <p:spPr>
+          <a:xfrm>
+            <a:off x="392431" y="1268730"/>
+            <a:ext cx="3387482" cy="4526280"/>
+          </a:xfrm>
+        </p:spPr>
+        <p:txBody>
+          <a:bodyPr>
+            <a:normAutofit/>
+          </a:bodyPr>
+          <a:lstStyle/>
+          <a:p>
+            <a:r>
+              <a:rPr lang="ru-RU" sz="2400" dirty="0"/>
+              <a:t>Студент</a:t>
+            </a:r>
+          </a:p>
+          <a:p>
+            <a:r>
+              <a:rPr lang="ru-RU" sz="2400" dirty="0"/>
+              <a:t>Группа</a:t>
+            </a:r>
+          </a:p>
+          <a:p>
+            <a:r>
+              <a:rPr lang="ru-RU" sz="2400" dirty="0"/>
+              <a:t>Предмет</a:t>
+            </a:r>
+          </a:p>
+          <a:p>
+            <a:r>
+              <a:rPr lang="ru-RU" sz="2400" dirty="0"/>
+              <a:t>Оценка</a:t>
+            </a:r>
+          </a:p>
+          <a:p>
+            <a:r>
+              <a:rPr lang="ru-RU" sz="2400" dirty="0"/>
+              <a:t>Экзамен</a:t>
+            </a:r>
+          </a:p>
+          <a:p>
+            <a:endParaRPr lang="ru-RU" sz="2400" dirty="0"/>
+          </a:p>
+          <a:p>
+            <a:pPr marL="0" indent="0">
+              <a:buNone/>
+            </a:pPr>
+            <a:endParaRPr lang="ru-RU" sz="2400" dirty="0"/>
+          </a:p>
+        </p:txBody>
+      </p:sp>
+      <p:sp>
+        <p:nvSpPr>
+          <p:cNvPr id="7" name="Объект 2"/>
+          <p:cNvSpPr txBox="1"/>
+          <p:nvPr/>
+        </p:nvSpPr>
+        <p:spPr>
+          <a:xfrm>
+            <a:off x="4070985" y="1268730"/>
+            <a:ext cx="4532630" cy="4526280"/>
+          </a:xfrm>
+          <a:prstGeom prst="rect">
+            <a:avLst/>
+          </a:prstGeom>
+        </p:spPr>
+        <p:txBody>
+          <a:bodyPr vert="horz" lIns="91440" tIns="45720" rIns="91440" bIns="45720" rtlCol="0">
+            <a:normAutofit/>
+          </a:bodyPr>
+          <a:lstStyle>
+            <a:lvl1pPr marL="342900" indent="-342900" algn="l" defTabSz="914400" rtl="0" eaLnBrk="1" latinLnBrk="0" hangingPunct="1">
+              <a:spcBef>
+                <a:spcPct val="20000"/>
+              </a:spcBef>
+              <a:buFont typeface="Arial" panose="02080604020202020204" charset="0"/>
+              <a:buChar char="•"/>
+              <a:defRPr sz="3200" kern="1200">
+                <a:solidFill>
+                  <a:schemeClr val="tx1"/>
+                </a:solidFill>
+                <a:latin typeface="+mn-lt"/>
+                <a:ea typeface="+mn-ea"/>
+                <a:cs typeface="+mn-cs"/>
+              </a:defRPr>
+            </a:lvl1pPr>
+            <a:lvl2pPr marL="742950" indent="-285750" algn="l" defTabSz="914400" rtl="0" eaLnBrk="1" latinLnBrk="0" hangingPunct="1">
+              <a:spcBef>
+                <a:spcPct val="20000"/>
+              </a:spcBef>
+              <a:buFont typeface="Arial" panose="02080604020202020204" charset="0"/>
+              <a:buChar char="–"/>
+              <a:defRPr sz="2800" kern="1200">
+                <a:solidFill>
+                  <a:schemeClr val="tx1"/>
+                </a:solidFill>
+                <a:latin typeface="+mn-lt"/>
+                <a:ea typeface="+mn-ea"/>
+                <a:cs typeface="+mn-cs"/>
+              </a:defRPr>
+            </a:lvl2pPr>
+            <a:lvl3pPr marL="1143000" indent="-228600" algn="l" defTabSz="914400" rtl="0" eaLnBrk="1" latinLnBrk="0" hangingPunct="1">
+              <a:spcBef>
+                <a:spcPct val="20000"/>
+              </a:spcBef>
+              <a:buFont typeface="Arial" panose="02080604020202020204" charset="0"/>
+              <a:buChar char="•"/>
+              <a:defRPr sz="2400" kern="1200">
+                <a:solidFill>
+                  <a:schemeClr val="tx1"/>
+                </a:solidFill>
+                <a:latin typeface="+mn-lt"/>
+                <a:ea typeface="+mn-ea"/>
+                <a:cs typeface="+mn-cs"/>
+              </a:defRPr>
+            </a:lvl3pPr>
+            <a:lvl4pPr marL="1600200" indent="-228600" algn="l" defTabSz="914400" rtl="0" eaLnBrk="1" latinLnBrk="0" hangingPunct="1">
+              <a:spcBef>
+                <a:spcPct val="20000"/>
+              </a:spcBef>
+              <a:buFont typeface="Arial" panose="02080604020202020204" charset="0"/>
+              <a:buChar char="–"/>
+              <a:defRPr sz="2000" kern="1200">
+                <a:solidFill>
+                  <a:schemeClr val="tx1"/>
+                </a:solidFill>
+                <a:latin typeface="+mn-lt"/>
+                <a:ea typeface="+mn-ea"/>
+                <a:cs typeface="+mn-cs"/>
+              </a:defRPr>
+            </a:lvl4pPr>
+            <a:lvl5pPr marL="2057400" indent="-228600" algn="l" defTabSz="914400" rtl="0" eaLnBrk="1" latinLnBrk="0" hangingPunct="1">
+              <a:spcBef>
+                <a:spcPct val="20000"/>
+              </a:spcBef>
+              <a:buFont typeface="Arial" panose="02080604020202020204" charset="0"/>
+              <a:buChar char="»"/>
+              <a:defRPr sz="2000" kern="1200">
+                <a:solidFill>
+                  <a:schemeClr val="tx1"/>
+                </a:solidFill>
+                <a:latin typeface="+mn-lt"/>
+                <a:ea typeface="+mn-ea"/>
+                <a:cs typeface="+mn-cs"/>
+              </a:defRPr>
+            </a:lvl5pPr>
+            <a:lvl6pPr marL="2514600" indent="-228600" algn="l" defTabSz="914400" rtl="0" eaLnBrk="1" latinLnBrk="0" hangingPunct="1">
+              <a:spcBef>
+                <a:spcPct val="20000"/>
+              </a:spcBef>
+              <a:buFont typeface="Arial" panose="02080604020202020204" charset="0"/>
+              <a:buChar char="•"/>
+              <a:defRPr sz="2000" kern="1200">
+                <a:solidFill>
+                  <a:schemeClr val="tx1"/>
+                </a:solidFill>
+                <a:latin typeface="+mn-lt"/>
+                <a:ea typeface="+mn-ea"/>
+                <a:cs typeface="+mn-cs"/>
+              </a:defRPr>
+            </a:lvl6pPr>
+            <a:lvl7pPr marL="2971800" indent="-228600" algn="l" defTabSz="914400" rtl="0" eaLnBrk="1" latinLnBrk="0" hangingPunct="1">
+              <a:spcBef>
+                <a:spcPct val="20000"/>
+              </a:spcBef>
+              <a:buFont typeface="Arial" panose="02080604020202020204" charset="0"/>
+              <a:buChar char="•"/>
+              <a:defRPr sz="2000" kern="1200">
+                <a:solidFill>
+                  <a:schemeClr val="tx1"/>
+                </a:solidFill>
+                <a:latin typeface="+mn-lt"/>
+                <a:ea typeface="+mn-ea"/>
+                <a:cs typeface="+mn-cs"/>
+              </a:defRPr>
+            </a:lvl7pPr>
+            <a:lvl8pPr marL="3429000" indent="-228600" algn="l" defTabSz="914400" rtl="0" eaLnBrk="1" latinLnBrk="0" hangingPunct="1">
+              <a:spcBef>
+                <a:spcPct val="20000"/>
+              </a:spcBef>
+              <a:buFont typeface="Arial" panose="02080604020202020204" charset="0"/>
+              <a:buChar char="•"/>
+              <a:defRPr sz="2000" kern="1200">
+                <a:solidFill>
+                  <a:schemeClr val="tx1"/>
+                </a:solidFill>
+                <a:latin typeface="+mn-lt"/>
+                <a:ea typeface="+mn-ea"/>
+                <a:cs typeface="+mn-cs"/>
+              </a:defRPr>
+            </a:lvl8pPr>
+            <a:lvl9pPr marL="3886200" indent="-228600" algn="l" defTabSz="914400" rtl="0" eaLnBrk="1" latinLnBrk="0" hangingPunct="1">
+              <a:spcBef>
+                <a:spcPct val="20000"/>
+              </a:spcBef>
+              <a:buFont typeface="Arial" panose="02080604020202020204" charset="0"/>
+              <a:buChar char="•"/>
+              <a:defRPr sz="2000" kern="1200">
+                <a:solidFill>
+                  <a:schemeClr val="tx1"/>
+                </a:solidFill>
+                <a:latin typeface="+mn-lt"/>
+                <a:ea typeface="+mn-ea"/>
+                <a:cs typeface="+mn-cs"/>
+              </a:defRPr>
+            </a:lvl9pPr>
+          </a:lstStyle>
+          <a:p>
+            <a:pPr marL="0" indent="0">
+              <a:buNone/>
+            </a:pPr>
+            <a:r>
+              <a:rPr lang="ru-RU" sz="2400" dirty="0"/>
+              <a:t>Отношения</a:t>
+            </a:r>
+          </a:p>
+          <a:p>
+            <a:r>
+              <a:rPr lang="ru-RU" sz="2400" dirty="0"/>
+              <a:t>Группа 1:</a:t>
+            </a:r>
+            <a:r>
+              <a:rPr lang="en-US" sz="2400" dirty="0"/>
+              <a:t>m </a:t>
+            </a:r>
+            <a:r>
+              <a:rPr lang="ru-RU" sz="2400" dirty="0"/>
+              <a:t>Студент</a:t>
+            </a:r>
+          </a:p>
+          <a:p>
+            <a:r>
+              <a:rPr lang="ru-RU" sz="2400" dirty="0"/>
+              <a:t>Группа 1:1 Староста</a:t>
+            </a:r>
+          </a:p>
+          <a:p>
+            <a:endParaRPr lang="ru-RU" sz="2400" dirty="0"/>
+          </a:p>
+          <a:p>
+            <a:r>
+              <a:rPr lang="ru-RU" sz="2400" dirty="0"/>
+              <a:t>Экзамен </a:t>
+            </a:r>
+            <a:r>
+              <a:rPr lang="en-US" sz="2400" dirty="0"/>
+              <a:t>m</a:t>
+            </a:r>
+            <a:r>
+              <a:rPr lang="ru-RU" sz="2400" dirty="0"/>
+              <a:t>:1 Предмет</a:t>
+            </a:r>
+          </a:p>
+          <a:p>
+            <a:r>
+              <a:rPr lang="ru-RU" sz="2400" dirty="0"/>
+              <a:t>Экзамен </a:t>
+            </a:r>
+            <a:r>
+              <a:rPr lang="en-US" sz="2400" dirty="0"/>
+              <a:t>m</a:t>
+            </a:r>
+            <a:r>
+              <a:rPr lang="ru-RU" sz="2400" dirty="0"/>
+              <a:t>:1 Группа</a:t>
+            </a:r>
+          </a:p>
+          <a:p>
+            <a:r>
+              <a:rPr lang="ru-RU" sz="2400" dirty="0"/>
+              <a:t>Оценка </a:t>
+            </a:r>
+            <a:r>
+              <a:rPr lang="en-US" sz="2400" dirty="0"/>
+              <a:t>m:1 </a:t>
+            </a:r>
+            <a:r>
+              <a:rPr lang="ru-RU" sz="2400" dirty="0"/>
+              <a:t>Экзамен</a:t>
+            </a:r>
+          </a:p>
+          <a:p>
+            <a:r>
+              <a:rPr lang="ru-RU" sz="2400" dirty="0"/>
+              <a:t>Оценка </a:t>
+            </a:r>
+            <a:r>
+              <a:rPr lang="en-US" sz="2400" dirty="0"/>
+              <a:t>m:1 </a:t>
+            </a:r>
+            <a:r>
+              <a:rPr lang="ru-RU" sz="2400" dirty="0"/>
+              <a:t>Студент</a:t>
+            </a:r>
+          </a:p>
+          <a:p>
+            <a:endParaRPr lang="ru-RU" sz="2400" dirty="0"/>
+          </a:p>
+          <a:p>
+            <a:pPr marL="0" indent="0">
+              <a:buFont typeface="Arial" panose="02080604020202020204" charset="0"/>
+              <a:buNone/>
+            </a:pPr>
+            <a:endParaRPr lang="ru-RU" sz="2400" dirty="0"/>
+          </a:p>
+        </p:txBody>
+      </p:sp>
+    </p:spTree>
+  </p:cSld>
+  <p:clrMapOvr>
+    <a:masterClrMapping/>
+  </p:clrMapOvr>
+</p:sld>
+</file>
+
+<file path=ppt/slides/slide9.xml><?xml version="1.0" encoding="utf-8"?>
+<p:sld xmlns:a="http://schemas.openxmlformats.org/drawingml/2006/main" xmlns:r="http://schemas.openxmlformats.org/officeDocument/2006/relationships" xmlns:p="http://schemas.openxmlformats.org/presentationml/2006/main">
+  <p:cSld>
+    <p:spTree>
+      <p:nvGrpSpPr>
+        <p:cNvPr id="1" name=""/>
+        <p:cNvGrpSpPr/>
+        <p:nvPr/>
+      </p:nvGrpSpPr>
+      <p:grpSpPr>
+        <a:xfrm>
+          <a:off x="0" y="0"/>
+          <a:ext cx="0" cy="0"/>
+          <a:chOff x="0" y="0"/>
+          <a:chExt cx="0" cy="0"/>
+        </a:xfrm>
+      </p:grpSpPr>
+      <p:sp>
+        <p:nvSpPr>
+          <p:cNvPr id="2" name="Заголовок 1"/>
+          <p:cNvSpPr>
+            <a:spLocks noGrp="1"/>
+          </p:cNvSpPr>
+          <p:nvPr>
+            <p:ph type="title"/>
+          </p:nvPr>
+        </p:nvSpPr>
+        <p:spPr/>
+        <p:txBody>
+          <a:bodyPr>
+            <a:normAutofit fontScale="90000"/>
+          </a:bodyPr>
+          <a:lstStyle/>
+          <a:p>
+            <a:r>
+              <a:rPr lang="x-none" altLang="ru-RU" dirty="0"/>
+              <a:t>Схема БД</a:t>
+            </a:r>
+          </a:p>
+        </p:txBody>
+      </p:sp>
+      <p:sp>
+        <p:nvSpPr>
+          <p:cNvPr id="3" name="Объект 2"/>
+          <p:cNvSpPr>
+            <a:spLocks noGrp="1"/>
+          </p:cNvSpPr>
+          <p:nvPr>
+            <p:ph idx="1"/>
+          </p:nvPr>
+        </p:nvSpPr>
+        <p:spPr>
+          <a:xfrm>
+            <a:off x="393065" y="1268730"/>
+            <a:ext cx="2886710" cy="4526280"/>
+          </a:xfrm>
+        </p:spPr>
+        <p:txBody>
+          <a:bodyPr>
+            <a:normAutofit/>
+          </a:bodyPr>
+          <a:lstStyle/>
+          <a:p>
+            <a:pPr marL="0" indent="0">
+              <a:buNone/>
+            </a:pPr>
+            <a:r>
+              <a:rPr lang="ru-RU" sz="1800" dirty="0">
+                <a:sym typeface="+mn-ea"/>
+              </a:rPr>
+              <a:t>Студен</a:t>
+            </a:r>
+            <a:r>
+              <a:rPr lang="x-none" altLang="ru-RU" sz="1800" dirty="0">
+                <a:sym typeface="+mn-ea"/>
+              </a:rPr>
+              <a:t>ты</a:t>
+            </a:r>
+          </a:p>
+          <a:p>
+            <a:pPr marL="742950" lvl="1" indent="-285750"/>
+            <a:r>
+              <a:rPr lang="x-none" sz="1575"/>
+              <a:t>Id</a:t>
+            </a:r>
+          </a:p>
+          <a:p>
+            <a:pPr marL="742950" lvl="1" indent="-285750"/>
+            <a:r>
+              <a:rPr lang="x-none" sz="1575"/>
+              <a:t>Name</a:t>
+            </a:r>
+          </a:p>
+          <a:p>
+            <a:pPr marL="0" indent="0">
+              <a:buNone/>
+            </a:pPr>
+            <a:endParaRPr lang="x-none" sz="1800"/>
+          </a:p>
+          <a:p>
+            <a:pPr marL="0" indent="0">
+              <a:buNone/>
+            </a:pPr>
+            <a:r>
+              <a:rPr lang="x-none" sz="1800"/>
+              <a:t>Группы</a:t>
+            </a:r>
+          </a:p>
+          <a:p>
+            <a:pPr marL="742950" lvl="1" indent="-285750"/>
+            <a:r>
+              <a:rPr lang="x-none" sz="1575"/>
+              <a:t>Id</a:t>
+            </a:r>
+          </a:p>
+          <a:p>
+            <a:pPr marL="742950" lvl="1" indent="-285750"/>
+            <a:r>
+              <a:rPr lang="x-none" sz="1575"/>
+              <a:t>Номер</a:t>
+            </a:r>
+          </a:p>
+          <a:p>
+            <a:pPr marL="742950" lvl="1" indent="-285750"/>
+            <a:r>
+              <a:rPr lang="x-none" sz="1575"/>
+              <a:t>Id старосты</a:t>
+            </a:r>
+          </a:p>
+          <a:p>
+            <a:pPr marL="0" indent="0">
+              <a:buNone/>
+            </a:pPr>
+            <a:endParaRPr lang="x-none" sz="1800"/>
+          </a:p>
+          <a:p>
+            <a:pPr marL="0" indent="0">
+              <a:buNone/>
+            </a:pPr>
+            <a:r>
+              <a:rPr lang="x-none" sz="1800"/>
+              <a:t>Предметы</a:t>
+            </a:r>
+          </a:p>
+          <a:p>
+            <a:pPr marL="742950" lvl="1" indent="-285750"/>
+            <a:r>
+              <a:rPr lang="x-none" sz="1575"/>
+              <a:t>Id</a:t>
+            </a:r>
+          </a:p>
+          <a:p>
+            <a:pPr marL="742950" lvl="1" indent="-285750"/>
+            <a:r>
+              <a:rPr lang="x-none" sz="1575"/>
+              <a:t>Name</a:t>
+            </a:r>
+          </a:p>
+          <a:p>
+            <a:pPr marL="285750" indent="-285750"/>
+            <a:endParaRPr lang="x-none" sz="1800"/>
+          </a:p>
+        </p:txBody>
+      </p:sp>
+      <p:sp>
+        <p:nvSpPr>
+          <p:cNvPr id="4" name="Номер слайда 3"/>
+          <p:cNvSpPr>
+            <a:spLocks noGrp="1"/>
+          </p:cNvSpPr>
+          <p:nvPr>
+            <p:ph type="sldNum" sz="quarter" idx="12"/>
+          </p:nvPr>
+        </p:nvSpPr>
+        <p:spPr/>
+        <p:txBody>
+          <a:bodyPr/>
+          <a:lstStyle/>
+          <a:p>
+            <a:fld id="{33067CA6-2D92-4602-87FB-B81B94BA46B2}" type="slidenum">
+              <a:rPr lang="ru-RU" smtClean="0"/>
+              <a:t>9</a:t>
+            </a:fld>
+            <a:endParaRPr lang="ru-RU" dirty="0"/>
+          </a:p>
+        </p:txBody>
+      </p:sp>
+      <p:sp>
+        <p:nvSpPr>
+          <p:cNvPr id="7" name="Объект 2"/>
+          <p:cNvSpPr>
+            <a:spLocks noGrp="1"/>
+          </p:cNvSpPr>
+          <p:nvPr/>
+        </p:nvSpPr>
+        <p:spPr>
+          <a:xfrm>
+            <a:off x="4422775" y="1268730"/>
+            <a:ext cx="2886710" cy="4526280"/>
+          </a:xfrm>
+          <a:prstGeom prst="rect">
+            <a:avLst/>
+          </a:prstGeom>
+        </p:spPr>
+        <p:txBody>
+          <a:bodyPr vert="horz" lIns="91440" tIns="45720" rIns="91440" bIns="45720" rtlCol="0">
+            <a:normAutofit/>
+          </a:bodyPr>
+          <a:lstStyle>
+            <a:lvl1pPr marL="342900" indent="-342900" algn="l" defTabSz="914400" rtl="0" eaLnBrk="1" latinLnBrk="0" hangingPunct="1">
+              <a:spcBef>
+                <a:spcPct val="20000"/>
+              </a:spcBef>
+              <a:buFont typeface="Arial" panose="02080604020202020204" charset="0"/>
+              <a:buChar char="•"/>
+              <a:defRPr sz="3200" kern="1200">
+                <a:solidFill>
+                  <a:schemeClr val="tx1"/>
+                </a:solidFill>
+                <a:latin typeface="+mn-lt"/>
+                <a:ea typeface="+mn-ea"/>
+                <a:cs typeface="+mn-cs"/>
+              </a:defRPr>
+            </a:lvl1pPr>
+            <a:lvl2pPr marL="742950" indent="-285750" algn="l" defTabSz="914400" rtl="0" eaLnBrk="1" latinLnBrk="0" hangingPunct="1">
+              <a:spcBef>
+                <a:spcPct val="20000"/>
+              </a:spcBef>
+              <a:buFont typeface="Arial" panose="02080604020202020204" charset="0"/>
+              <a:buChar char="–"/>
+              <a:defRPr sz="2800" kern="1200">
+                <a:solidFill>
+                  <a:schemeClr val="tx1"/>
+                </a:solidFill>
+                <a:latin typeface="+mn-lt"/>
+                <a:ea typeface="+mn-ea"/>
+                <a:cs typeface="+mn-cs"/>
+              </a:defRPr>
+            </a:lvl2pPr>
+            <a:lvl3pPr marL="1143000" indent="-228600" algn="l" defTabSz="914400" rtl="0" eaLnBrk="1" latinLnBrk="0" hangingPunct="1">
+              <a:spcBef>
+                <a:spcPct val="20000"/>
+              </a:spcBef>
+              <a:buFont typeface="Arial" panose="02080604020202020204" charset="0"/>
+              <a:buChar char="•"/>
+              <a:defRPr sz="2400" kern="1200">
+                <a:solidFill>
+                  <a:schemeClr val="tx1"/>
+                </a:solidFill>
+                <a:latin typeface="+mn-lt"/>
+                <a:ea typeface="+mn-ea"/>
+                <a:cs typeface="+mn-cs"/>
+              </a:defRPr>
+            </a:lvl3pPr>
+            <a:lvl4pPr marL="1600200" indent="-228600" algn="l" defTabSz="914400" rtl="0" eaLnBrk="1" latinLnBrk="0" hangingPunct="1">
+              <a:spcBef>
+                <a:spcPct val="20000"/>
+              </a:spcBef>
+              <a:buFont typeface="Arial" panose="02080604020202020204" charset="0"/>
+              <a:buChar char="–"/>
+              <a:defRPr sz="2000" kern="1200">
+                <a:solidFill>
+                  <a:schemeClr val="tx1"/>
+                </a:solidFill>
+                <a:latin typeface="+mn-lt"/>
+                <a:ea typeface="+mn-ea"/>
+                <a:cs typeface="+mn-cs"/>
+              </a:defRPr>
+            </a:lvl4pPr>
+            <a:lvl5pPr marL="2057400" indent="-228600" algn="l" defTabSz="914400" rtl="0" eaLnBrk="1" latinLnBrk="0" hangingPunct="1">
+              <a:spcBef>
+                <a:spcPct val="20000"/>
+              </a:spcBef>
+              <a:buFont typeface="Arial" panose="02080604020202020204" charset="0"/>
+              <a:buChar char="»"/>
+              <a:defRPr sz="2000" kern="1200">
+                <a:solidFill>
+                  <a:schemeClr val="tx1"/>
+                </a:solidFill>
+                <a:latin typeface="+mn-lt"/>
+                <a:ea typeface="+mn-ea"/>
+                <a:cs typeface="+mn-cs"/>
+              </a:defRPr>
+            </a:lvl5pPr>
+            <a:lvl6pPr marL="2514600" indent="-228600" algn="l" defTabSz="914400" rtl="0" eaLnBrk="1" latinLnBrk="0" hangingPunct="1">
+              <a:spcBef>
+                <a:spcPct val="20000"/>
+              </a:spcBef>
+              <a:buFont typeface="Arial" panose="02080604020202020204" charset="0"/>
+              <a:buChar char="•"/>
+              <a:defRPr sz="2000" kern="1200">
+                <a:solidFill>
+                  <a:schemeClr val="tx1"/>
+                </a:solidFill>
+                <a:latin typeface="+mn-lt"/>
+                <a:ea typeface="+mn-ea"/>
+                <a:cs typeface="+mn-cs"/>
+              </a:defRPr>
+            </a:lvl6pPr>
+            <a:lvl7pPr marL="2971800" indent="-228600" algn="l" defTabSz="914400" rtl="0" eaLnBrk="1" latinLnBrk="0" hangingPunct="1">
+              <a:spcBef>
+                <a:spcPct val="20000"/>
+              </a:spcBef>
+              <a:buFont typeface="Arial" panose="02080604020202020204" charset="0"/>
+              <a:buChar char="•"/>
+              <a:defRPr sz="2000" kern="1200">
+                <a:solidFill>
+                  <a:schemeClr val="tx1"/>
+                </a:solidFill>
+                <a:latin typeface="+mn-lt"/>
+                <a:ea typeface="+mn-ea"/>
+                <a:cs typeface="+mn-cs"/>
+              </a:defRPr>
+            </a:lvl7pPr>
+            <a:lvl8pPr marL="3429000" indent="-228600" algn="l" defTabSz="914400" rtl="0" eaLnBrk="1" latinLnBrk="0" hangingPunct="1">
+              <a:spcBef>
+                <a:spcPct val="20000"/>
+              </a:spcBef>
+              <a:buFont typeface="Arial" panose="02080604020202020204" charset="0"/>
+              <a:buChar char="•"/>
+              <a:defRPr sz="2000" kern="1200">
+                <a:solidFill>
+                  <a:schemeClr val="tx1"/>
+                </a:solidFill>
+                <a:latin typeface="+mn-lt"/>
+                <a:ea typeface="+mn-ea"/>
+                <a:cs typeface="+mn-cs"/>
+              </a:defRPr>
+            </a:lvl8pPr>
+            <a:lvl9pPr marL="3886200" indent="-228600" algn="l" defTabSz="914400" rtl="0" eaLnBrk="1" latinLnBrk="0" hangingPunct="1">
+              <a:spcBef>
+                <a:spcPct val="20000"/>
+              </a:spcBef>
+              <a:buFont typeface="Arial" panose="02080604020202020204" charset="0"/>
+              <a:buChar char="•"/>
+              <a:defRPr sz="2000" kern="1200">
+                <a:solidFill>
+                  <a:schemeClr val="tx1"/>
+                </a:solidFill>
+                <a:latin typeface="+mn-lt"/>
+                <a:ea typeface="+mn-ea"/>
+                <a:cs typeface="+mn-cs"/>
+              </a:defRPr>
+            </a:lvl9pPr>
+          </a:lstStyle>
+          <a:p>
+            <a:pPr marL="0" indent="0">
+              <a:buNone/>
+            </a:pPr>
+            <a:r>
+              <a:rPr lang="x-none" altLang="ru-RU" sz="1800" dirty="0">
+                <a:sym typeface="+mn-ea"/>
+              </a:rPr>
+              <a:t>Оценки</a:t>
+            </a:r>
+          </a:p>
+          <a:p>
+            <a:pPr marL="742950" lvl="1" indent="-285750"/>
+            <a:r>
+              <a:rPr lang="x-none" sz="1575"/>
+              <a:t>Id</a:t>
+            </a:r>
+          </a:p>
+          <a:p>
+            <a:pPr marL="742950" lvl="1" indent="-285750"/>
+            <a:r>
+              <a:rPr lang="x-none" sz="1575"/>
+              <a:t>Mark</a:t>
+            </a:r>
+          </a:p>
+          <a:p>
+            <a:pPr marL="742950" lvl="1" indent="-285750"/>
+            <a:r>
+              <a:rPr lang="x-none" sz="1575"/>
+              <a:t>Id студента</a:t>
+            </a:r>
+          </a:p>
+          <a:p>
+            <a:pPr marL="742950" lvl="1" indent="-285750"/>
+            <a:r>
+              <a:rPr lang="x-none" sz="1575"/>
+              <a:t>Id экзамена</a:t>
+            </a:r>
+          </a:p>
+          <a:p>
+            <a:pPr marL="0" indent="0">
+              <a:buNone/>
+            </a:pPr>
+            <a:endParaRPr lang="x-none" sz="1800"/>
+          </a:p>
+          <a:p>
+            <a:pPr marL="0" indent="0">
+              <a:buNone/>
+            </a:pPr>
+            <a:r>
+              <a:rPr lang="x-none" sz="1800"/>
+              <a:t>Экзамены</a:t>
+            </a:r>
+          </a:p>
+          <a:p>
+            <a:pPr marL="742950" lvl="1" indent="-285750"/>
+            <a:r>
+              <a:rPr lang="x-none" sz="1575"/>
+              <a:t>Id</a:t>
+            </a:r>
+          </a:p>
+          <a:p>
+            <a:pPr marL="742950" lvl="1" indent="-285750"/>
+            <a:r>
+              <a:rPr lang="x-none" sz="1575"/>
+              <a:t>Id группы</a:t>
+            </a:r>
+          </a:p>
+          <a:p>
+            <a:pPr marL="742950" lvl="1" indent="-285750"/>
+            <a:r>
+              <a:rPr lang="x-none" sz="1575"/>
+              <a:t>Id предмета</a:t>
+            </a:r>
+          </a:p>
+          <a:p>
+            <a:pPr marL="0" indent="0">
+              <a:buNone/>
+            </a:pPr>
+            <a:endParaRPr lang="x-none" sz="1575"/>
+          </a:p>
+          <a:p>
+            <a:pPr marL="285750" indent="-285750"/>
+            <a:endParaRPr lang="x-none" sz="1800"/>
           </a:p>
         </p:txBody>
       </p:sp>
